--- a/Hackathon_Template_Arun Teja.pptx
+++ b/Hackathon_Template_Arun Teja.pptx
@@ -5,13 +5,14 @@
     <p:sldMasterId id="2147483952" r:id="rId5"/>
   </p:sldMasterIdLst>
   <p:notesMasterIdLst>
-    <p:notesMasterId r:id="rId10"/>
+    <p:notesMasterId r:id="rId11"/>
   </p:notesMasterIdLst>
   <p:sldIdLst>
     <p:sldId id="262" r:id="rId6"/>
     <p:sldId id="258" r:id="rId7"/>
-    <p:sldId id="259" r:id="rId8"/>
-    <p:sldId id="260" r:id="rId9"/>
+    <p:sldId id="263" r:id="rId8"/>
+    <p:sldId id="259" r:id="rId9"/>
+    <p:sldId id="260" r:id="rId10"/>
   </p:sldIdLst>
   <p:sldSz cx="9144000" cy="5143500" type="screen16x9"/>
   <p:notesSz cx="6858000" cy="9144000"/>
@@ -200,7 +201,7 @@
           <a:p>
             <a:fld id="{7B2C62CA-9421-4E9E-AF14-1FB663DBCBA3}" type="datetimeFigureOut">
               <a:rPr lang="en-US" smtClean="0"/>
-              <a:t>5/7/2021</a:t>
+              <a:t>5/14/2021</a:t>
             </a:fld>
             <a:endParaRPr lang="en-US"/>
           </a:p>
@@ -1433,7 +1434,7 @@
           <a:p>
             <a:fld id="{9CA01702-DD2A-4EA7-BF63-C4256CBF2674}" type="datetime1">
               <a:rPr lang="en-US" smtClean="0"/>
-              <a:t>5/7/2021</a:t>
+              <a:t>5/14/2021</a:t>
             </a:fld>
             <a:endParaRPr lang="en-US"/>
           </a:p>
@@ -1897,7 +1898,7 @@
           <a:p>
             <a:fld id="{1FE092F7-7241-4999-BD43-217EB3E0EA71}" type="datetime1">
               <a:rPr lang="en-US" smtClean="0"/>
-              <a:t>5/7/2021</a:t>
+              <a:t>5/14/2021</a:t>
             </a:fld>
             <a:endParaRPr lang="en-US"/>
           </a:p>
@@ -2298,7 +2299,7 @@
           <a:p>
             <a:fld id="{0822DEC1-6FF0-4499-A8CE-3CDA0D36F6B6}" type="datetime1">
               <a:rPr lang="en-US" smtClean="0"/>
-              <a:t>5/7/2021</a:t>
+              <a:t>5/14/2021</a:t>
             </a:fld>
             <a:endParaRPr lang="en-US"/>
           </a:p>
@@ -2767,7 +2768,7 @@
           <a:p>
             <a:fld id="{3CA0D403-53DC-4230-809B-588FC47C2AE9}" type="datetime1">
               <a:rPr lang="en-US" smtClean="0"/>
-              <a:t>5/7/2021</a:t>
+              <a:t>5/14/2021</a:t>
             </a:fld>
             <a:endParaRPr lang="en-US"/>
           </a:p>
@@ -3271,7 +3272,7 @@
           <a:p>
             <a:fld id="{C9CB7C87-9C98-4E4B-B0BF-56FCDDAD09F0}" type="datetime1">
               <a:rPr lang="en-US" smtClean="0"/>
-              <a:t>5/7/2021</a:t>
+              <a:t>5/14/2021</a:t>
             </a:fld>
             <a:endParaRPr lang="en-US"/>
           </a:p>
@@ -3675,7 +3676,7 @@
           <a:p>
             <a:fld id="{4E1C924E-9FF9-4A6E-A345-35D21EDFA0BE}" type="datetime1">
               <a:rPr lang="en-US" smtClean="0"/>
-              <a:t>5/7/2021</a:t>
+              <a:t>5/14/2021</a:t>
             </a:fld>
             <a:endParaRPr lang="en-US"/>
           </a:p>
@@ -4127,7 +4128,7 @@
           <a:p>
             <a:fld id="{EAC2F691-4CF9-4182-9EB3-3AD8437B331B}" type="datetime1">
               <a:rPr lang="en-US" smtClean="0"/>
-              <a:t>5/7/2021</a:t>
+              <a:t>5/14/2021</a:t>
             </a:fld>
             <a:endParaRPr lang="en-US"/>
           </a:p>
@@ -4604,7 +4605,7 @@
           <a:p>
             <a:fld id="{E01283B7-E2B5-4877-ACA3-63C29A0971AE}" type="datetime1">
               <a:rPr lang="en-US" smtClean="0"/>
-              <a:t>5/7/2021</a:t>
+              <a:t>5/14/2021</a:t>
             </a:fld>
             <a:endParaRPr lang="en-US"/>
           </a:p>
@@ -4895,7 +4896,7 @@
           <a:p>
             <a:fld id="{166915D8-E81B-4766-A5C5-327471A58B75}" type="datetime1">
               <a:rPr lang="en-US" smtClean="0"/>
-              <a:t>5/7/2021</a:t>
+              <a:t>5/14/2021</a:t>
             </a:fld>
             <a:endParaRPr lang="en-US"/>
           </a:p>
@@ -5248,7 +5249,7 @@
           <a:p>
             <a:fld id="{D10CB663-1004-4C01-AA19-F4856BB2F3A3}" type="datetime1">
               <a:rPr lang="en-US" smtClean="0"/>
-              <a:t>5/7/2021</a:t>
+              <a:t>5/14/2021</a:t>
             </a:fld>
             <a:endParaRPr lang="en-US"/>
           </a:p>
@@ -5588,7 +5589,7 @@
           <a:p>
             <a:fld id="{0A1C73EC-90EF-4B2E-A147-63B3EB3072FF}" type="datetime1">
               <a:rPr lang="en-US" smtClean="0"/>
-              <a:t>5/7/2021</a:t>
+              <a:t>5/14/2021</a:t>
             </a:fld>
             <a:endParaRPr lang="en-US"/>
           </a:p>
@@ -5940,7 +5941,7 @@
           <a:p>
             <a:fld id="{49CB85A3-22AC-4BAD-B711-1D38C2239C6B}" type="datetime1">
               <a:rPr lang="en-US" smtClean="0"/>
-              <a:t>5/7/2021</a:t>
+              <a:t>5/14/2021</a:t>
             </a:fld>
             <a:endParaRPr lang="en-US"/>
           </a:p>
@@ -6227,7 +6228,7 @@
           <a:p>
             <a:fld id="{EB4A4E7A-D58F-4741-AE0B-1A084E899F93}" type="datetime1">
               <a:rPr lang="en-US" smtClean="0"/>
-              <a:t>5/7/2021</a:t>
+              <a:t>5/14/2021</a:t>
             </a:fld>
             <a:endParaRPr lang="en-US"/>
           </a:p>
@@ -6548,7 +6549,7 @@
           <a:p>
             <a:fld id="{3AB6B008-01FF-4823-99E8-B1F012D592FB}" type="datetime1">
               <a:rPr lang="en-US" smtClean="0"/>
-              <a:t>5/7/2021</a:t>
+              <a:t>5/14/2021</a:t>
             </a:fld>
             <a:endParaRPr lang="en-US"/>
           </a:p>
@@ -6935,7 +6936,7 @@
           <a:p>
             <a:fld id="{431687B1-279C-4C7E-A3F2-72DE01905190}" type="datetime1">
               <a:rPr lang="en-US" smtClean="0"/>
-              <a:t>5/7/2021</a:t>
+              <a:t>5/14/2021</a:t>
             </a:fld>
             <a:endParaRPr lang="en-US"/>
           </a:p>
@@ -7322,7 +7323,7 @@
           <a:p>
             <a:fld id="{D025E030-BC92-4596-8300-BF26DF7E6EEF}" type="datetime1">
               <a:rPr lang="en-US" smtClean="0"/>
-              <a:t>5/7/2021</a:t>
+              <a:t>5/14/2021</a:t>
             </a:fld>
             <a:endParaRPr lang="en-US"/>
           </a:p>
@@ -8175,7 +8176,7 @@
           <a:p>
             <a:fld id="{22FBAD0E-8713-41F2-837D-77B2C5F20C2D}" type="datetime1">
               <a:rPr lang="en-US" smtClean="0"/>
-              <a:t>5/7/2021</a:t>
+              <a:t>5/14/2021</a:t>
             </a:fld>
             <a:endParaRPr lang="en-US"/>
           </a:p>
@@ -8644,7 +8645,7 @@
           <a:p>
             <a:fld id="{9015A057-DF27-4F57-9F20-93999E7C3CAD}" type="datetime1">
               <a:rPr lang="en-US" smtClean="0"/>
-              <a:t>5/7/2021</a:t>
+              <a:t>5/14/2021</a:t>
             </a:fld>
             <a:endParaRPr lang="en-US"/>
           </a:p>
@@ -9050,7 +9051,7 @@
           <a:p>
             <a:fld id="{E33EBFD5-024E-4D15-B2CD-A57BA6B62818}" type="datetime1">
               <a:rPr lang="en-US" smtClean="0"/>
-              <a:t>5/7/2021</a:t>
+              <a:t>5/14/2021</a:t>
             </a:fld>
             <a:endParaRPr lang="en-US"/>
           </a:p>
@@ -9457,7 +9458,7 @@
           <a:p>
             <a:fld id="{14827ACE-F503-4BD3-9562-837061E0E81C}" type="datetime1">
               <a:rPr lang="en-US" smtClean="0"/>
-              <a:t>5/7/2021</a:t>
+              <a:t>5/14/2021</a:t>
             </a:fld>
             <a:endParaRPr lang="en-US"/>
           </a:p>
@@ -9915,7 +9916,7 @@
           <a:p>
             <a:fld id="{6C7AC786-B599-4B2B-B4FB-F759EAC31A40}" type="datetime1">
               <a:rPr lang="en-US" smtClean="0"/>
-              <a:t>5/7/2021</a:t>
+              <a:t>5/14/2021</a:t>
             </a:fld>
             <a:endParaRPr lang="en-US"/>
           </a:p>
@@ -10378,7 +10379,7 @@
           <a:p>
             <a:fld id="{97780586-E689-4036-8263-852FD138039A}" type="datetime1">
               <a:rPr lang="en-US" smtClean="0"/>
-              <a:t>5/7/2021</a:t>
+              <a:t>5/14/2021</a:t>
             </a:fld>
             <a:endParaRPr lang="en-US"/>
           </a:p>
@@ -10841,7 +10842,7 @@
           <a:p>
             <a:fld id="{0FA69868-9561-4DAC-B150-2D4942753F1B}" type="datetime1">
               <a:rPr lang="en-US" smtClean="0"/>
-              <a:t>5/7/2021</a:t>
+              <a:t>5/14/2021</a:t>
             </a:fld>
             <a:endParaRPr lang="en-US"/>
           </a:p>
@@ -11216,7 +11217,7 @@
           <a:p>
             <a:fld id="{7B7266A3-FA29-4A4D-B1EA-16755D538746}" type="datetime1">
               <a:rPr lang="en-US" smtClean="0"/>
-              <a:t>5/7/2021</a:t>
+              <a:t>5/14/2021</a:t>
             </a:fld>
             <a:endParaRPr lang="en-US" dirty="0"/>
           </a:p>
@@ -12146,7 +12147,7 @@
         </p:nvSpPr>
         <p:spPr bwMode="auto">
           <a:xfrm>
-            <a:off x="353930" y="2337094"/>
+            <a:off x="384047" y="2367920"/>
             <a:ext cx="2792393" cy="2205409"/>
           </a:xfrm>
           <a:prstGeom prst="roundRect">
@@ -12174,16 +12175,149 @@
           <a:bodyPr lIns="0" tIns="0" rIns="0" bIns="0"/>
           <a:lstStyle/>
           <a:p>
+            <a:pPr marL="228600" indent="-228600">
+              <a:buFont typeface="+mj-lt"/>
+              <a:buAutoNum type="arabicPeriod"/>
+            </a:pPr>
             <a:r>
               <a:rPr lang="en-US" sz="1050" i="1" kern="0" dirty="0">
                 <a:solidFill>
                   <a:sysClr val="windowText" lastClr="000000"/>
                 </a:solidFill>
               </a:rPr>
-              <a:t>The main challenge in current scenario is lack of vaccines availability. User will book his appointment for vaccine ,But when he/she visits the vaccination center for vaccine, vaccine is not available for them. They need to reschedule again and even then they are not sure whether the vaccine is available or not because of previous experience.</a:t>
-            </a:r>
-          </a:p>
-          <a:p>
+              <a:t>Online Registration for Vaccination</a:t>
+            </a:r>
+          </a:p>
+          <a:p>
+            <a:pPr marL="228600" indent="-228600">
+              <a:buFont typeface="+mj-lt"/>
+              <a:buAutoNum type="arabicPeriod"/>
+            </a:pPr>
+            <a:endParaRPr lang="en-US" sz="1050" i="1" kern="0" dirty="0">
+              <a:solidFill>
+                <a:sysClr val="windowText" lastClr="000000"/>
+              </a:solidFill>
+            </a:endParaRPr>
+          </a:p>
+          <a:p>
+            <a:pPr marL="228600" indent="-228600">
+              <a:buFont typeface="+mj-lt"/>
+              <a:buAutoNum type="arabicPeriod"/>
+            </a:pPr>
+            <a:r>
+              <a:rPr lang="en-US" sz="1050" i="1" kern="0" dirty="0">
+                <a:solidFill>
+                  <a:sysClr val="windowText" lastClr="000000"/>
+                </a:solidFill>
+              </a:rPr>
+              <a:t>Simple UI to understand easily for uneducated people also</a:t>
+            </a:r>
+          </a:p>
+          <a:p>
+            <a:pPr marL="228600" indent="-228600">
+              <a:buFont typeface="+mj-lt"/>
+              <a:buAutoNum type="arabicPeriod"/>
+            </a:pPr>
+            <a:endParaRPr lang="en-US" sz="1050" i="1" kern="0" dirty="0">
+              <a:solidFill>
+                <a:sysClr val="windowText" lastClr="000000"/>
+              </a:solidFill>
+            </a:endParaRPr>
+          </a:p>
+          <a:p>
+            <a:pPr marL="228600" indent="-228600">
+              <a:buFont typeface="+mj-lt"/>
+              <a:buAutoNum type="arabicPeriod"/>
+            </a:pPr>
+            <a:r>
+              <a:rPr lang="en-US" sz="1050" i="1" kern="0" dirty="0">
+                <a:solidFill>
+                  <a:sysClr val="windowText" lastClr="000000"/>
+                </a:solidFill>
+              </a:rPr>
+              <a:t>Scheduling Appointment for Vaccination.</a:t>
+            </a:r>
+          </a:p>
+          <a:p>
+            <a:pPr marL="228600" indent="-228600">
+              <a:buFont typeface="+mj-lt"/>
+              <a:buAutoNum type="arabicPeriod"/>
+            </a:pPr>
+            <a:endParaRPr lang="en-US" sz="1050" i="1" kern="0" dirty="0">
+              <a:solidFill>
+                <a:sysClr val="windowText" lastClr="000000"/>
+              </a:solidFill>
+            </a:endParaRPr>
+          </a:p>
+          <a:p>
+            <a:pPr marL="228600" indent="-228600">
+              <a:buFont typeface="+mj-lt"/>
+              <a:buAutoNum type="arabicPeriod"/>
+            </a:pPr>
+            <a:r>
+              <a:rPr lang="en-US" sz="1050" i="1" kern="0" dirty="0">
+                <a:solidFill>
+                  <a:sysClr val="windowText" lastClr="000000"/>
+                </a:solidFill>
+              </a:rPr>
+              <a:t>Name of vaccine available. </a:t>
+            </a:r>
+          </a:p>
+          <a:p>
+            <a:pPr marL="228600" indent="-228600">
+              <a:buFont typeface="+mj-lt"/>
+              <a:buAutoNum type="arabicPeriod"/>
+            </a:pPr>
+            <a:endParaRPr lang="en-US" sz="1050" i="1" kern="0" dirty="0">
+              <a:solidFill>
+                <a:sysClr val="windowText" lastClr="000000"/>
+              </a:solidFill>
+            </a:endParaRPr>
+          </a:p>
+          <a:p>
+            <a:pPr marL="228600" indent="-228600">
+              <a:buFont typeface="+mj-lt"/>
+              <a:buAutoNum type="arabicPeriod"/>
+            </a:pPr>
+            <a:r>
+              <a:rPr lang="en-US" sz="1050" i="1" kern="0" dirty="0">
+                <a:solidFill>
+                  <a:sysClr val="windowText" lastClr="000000"/>
+                </a:solidFill>
+              </a:rPr>
+              <a:t>No of vaccines available .</a:t>
+            </a:r>
+          </a:p>
+          <a:p>
+            <a:pPr marL="228600" indent="-228600">
+              <a:buFont typeface="+mj-lt"/>
+              <a:buAutoNum type="arabicPeriod"/>
+            </a:pPr>
+            <a:endParaRPr lang="en-US" sz="1050" i="1" kern="0" dirty="0">
+              <a:solidFill>
+                <a:sysClr val="windowText" lastClr="000000"/>
+              </a:solidFill>
+            </a:endParaRPr>
+          </a:p>
+          <a:p>
+            <a:pPr marL="228600" indent="-228600">
+              <a:buFont typeface="+mj-lt"/>
+              <a:buAutoNum type="arabicPeriod"/>
+            </a:pPr>
+            <a:r>
+              <a:rPr lang="en-US" sz="1050" i="1" kern="0" dirty="0">
+                <a:solidFill>
+                  <a:sysClr val="windowText" lastClr="000000"/>
+                </a:solidFill>
+              </a:rPr>
+              <a:t>Vaccines availability for different age groups.</a:t>
+            </a:r>
+          </a:p>
+          <a:p>
+            <a:pPr marL="228600" indent="-228600">
+              <a:buFont typeface="+mj-lt"/>
+              <a:buAutoNum type="arabicPeriod"/>
+            </a:pPr>
             <a:endParaRPr lang="en-US" sz="1050" i="1" kern="0" dirty="0">
               <a:solidFill>
                 <a:sysClr val="windowText" lastClr="000000"/>
@@ -12322,36 +12456,120 @@
           <a:bodyPr lIns="0" tIns="0" rIns="0" bIns="0"/>
           <a:lstStyle/>
           <a:p>
+            <a:pPr marL="228600" indent="-228600">
+              <a:buFont typeface="+mj-lt"/>
+              <a:buAutoNum type="arabicPeriod"/>
+            </a:pPr>
             <a:r>
               <a:rPr lang="en-US" sz="1100" i="1" kern="0" dirty="0">
                 <a:solidFill>
                   <a:sysClr val="windowText" lastClr="000000"/>
                 </a:solidFill>
               </a:rPr>
-              <a:t>When vaccines are lower than scheduled demand, the website must make it easy for providers to reach scheduled patients ahead of time to communicate appointment changes.</a:t>
-            </a:r>
-          </a:p>
-          <a:p>
+              <a:t>A simple form is created that will take person’s details like name, address, verification Id, phone number.</a:t>
+            </a:r>
+          </a:p>
+          <a:p>
+            <a:pPr marL="228600" indent="-228600">
+              <a:buFont typeface="+mj-lt"/>
+              <a:buAutoNum type="arabicPeriod"/>
+            </a:pPr>
+            <a:endParaRPr lang="en-US" sz="1100" i="1" kern="0" dirty="0">
+              <a:solidFill>
+                <a:sysClr val="windowText" lastClr="000000"/>
+              </a:solidFill>
+            </a:endParaRPr>
+          </a:p>
+          <a:p>
+            <a:pPr marL="228600" indent="-228600">
+              <a:buFont typeface="+mj-lt"/>
+              <a:buAutoNum type="arabicPeriod"/>
+            </a:pPr>
             <a:r>
               <a:rPr lang="en-US" sz="1100" i="1" kern="0" dirty="0">
                 <a:solidFill>
                   <a:sysClr val="windowText" lastClr="000000"/>
                 </a:solidFill>
               </a:rPr>
-              <a:t>First of all, Those who registered for vaccine through online only will be vaccinated. We should make this mandatory. So there are no Walk in registrations for vaccines. While registering, the users must submit their health details like B.P , Sugar etc. The hospitals which have vaccines should update the number of vaccines availability at the end of each day. If the vaccines are lower than scheduled demand ,then concerned hospitals must chose the patients to get vaccinated according to the health details they provided. For remaining, people they should Message or call directly to ask them to reschedule their appointment or put them on the waitlist. So, this will avoid unnecessary crowding at the vaccination centers. If the user rescheduled his appointment ,then he/she should update that in website so that other users will schedule their appointments.</a:t>
-            </a:r>
-          </a:p>
-          <a:p>
+              <a:t>Using simple logos/icons/images to understand easily.</a:t>
+            </a:r>
+          </a:p>
+          <a:p>
+            <a:pPr marL="228600" indent="-228600">
+              <a:buFont typeface="+mj-lt"/>
+              <a:buAutoNum type="arabicPeriod"/>
+            </a:pPr>
+            <a:endParaRPr lang="en-US" sz="1100" i="1" kern="0" dirty="0">
+              <a:solidFill>
+                <a:sysClr val="windowText" lastClr="000000"/>
+              </a:solidFill>
+            </a:endParaRPr>
+          </a:p>
+          <a:p>
+            <a:pPr marL="228600" indent="-228600">
+              <a:buFont typeface="+mj-lt"/>
+              <a:buAutoNum type="arabicPeriod"/>
+            </a:pPr>
             <a:r>
               <a:rPr lang="en-US" sz="1100" i="1" kern="0" dirty="0">
                 <a:solidFill>
                   <a:sysClr val="windowText" lastClr="000000"/>
                 </a:solidFill>
               </a:rPr>
-              <a:t>If vaccines exceed scheduled demand, the providers should communicate with people on a waitlist to rapidly fill new appointments.</a:t>
-            </a:r>
-          </a:p>
-          <a:p>
+              <a:t>People can schedule appointments according to their availability and nearest vaccination center using pin code of their location</a:t>
+            </a:r>
+          </a:p>
+          <a:p>
+            <a:pPr marL="228600" indent="-228600">
+              <a:buFont typeface="+mj-lt"/>
+              <a:buAutoNum type="arabicPeriod"/>
+            </a:pPr>
+            <a:r>
+              <a:rPr lang="en-US" sz="1100" i="1" kern="0" dirty="0">
+                <a:solidFill>
+                  <a:sysClr val="windowText" lastClr="000000"/>
+                </a:solidFill>
+              </a:rPr>
+              <a:t>Name of vaccines( </a:t>
+            </a:r>
+            <a:r>
+              <a:rPr lang="en-US" sz="1100" i="1" kern="0" dirty="0" err="1">
+                <a:solidFill>
+                  <a:sysClr val="windowText" lastClr="000000"/>
+                </a:solidFill>
+              </a:rPr>
+              <a:t>covaxin</a:t>
+            </a:r>
+            <a:r>
+              <a:rPr lang="en-US" sz="1100" i="1" kern="0" dirty="0">
+                <a:solidFill>
+                  <a:sysClr val="windowText" lastClr="000000"/>
+                </a:solidFill>
+              </a:rPr>
+              <a:t>, </a:t>
+            </a:r>
+            <a:r>
+              <a:rPr lang="en-US" sz="1100" i="1" kern="0" dirty="0" err="1">
+                <a:solidFill>
+                  <a:sysClr val="windowText" lastClr="000000"/>
+                </a:solidFill>
+              </a:rPr>
+              <a:t>covishield</a:t>
+            </a:r>
+            <a:r>
+              <a:rPr lang="en-US" sz="1100" i="1" kern="0" dirty="0">
+                <a:solidFill>
+                  <a:sysClr val="windowText" lastClr="000000"/>
+                </a:solidFill>
+              </a:rPr>
+              <a:t>) is shown in scheduling page.</a:t>
+            </a:r>
+          </a:p>
+          <a:p>
+            <a:pPr marL="228600" indent="-228600">
+              <a:buFont typeface="+mj-lt"/>
+              <a:buAutoNum type="arabicPeriod"/>
+            </a:pPr>
             <a:endParaRPr lang="en-US" sz="1100" i="1" kern="0" dirty="0">
               <a:solidFill>
                 <a:sysClr val="windowText" lastClr="000000"/>
@@ -12359,6 +12577,24 @@
             </a:endParaRPr>
           </a:p>
           <a:p>
+            <a:pPr marL="228600" indent="-228600">
+              <a:buFont typeface="+mj-lt"/>
+              <a:buAutoNum type="arabicPeriod"/>
+            </a:pPr>
+            <a:r>
+              <a:rPr lang="en-US" sz="1100" i="1" kern="0" dirty="0">
+                <a:solidFill>
+                  <a:sysClr val="windowText" lastClr="000000"/>
+                </a:solidFill>
+              </a:rPr>
+              <a:t>Number of vaccines available in each vaccination center is shown in the webpage.</a:t>
+            </a:r>
+          </a:p>
+          <a:p>
+            <a:pPr marL="228600" indent="-228600">
+              <a:buFont typeface="+mj-lt"/>
+              <a:buAutoNum type="arabicPeriod"/>
+            </a:pPr>
             <a:endParaRPr lang="en-US" sz="1100" i="1" kern="0" dirty="0">
               <a:solidFill>
                 <a:sysClr val="windowText" lastClr="000000"/>
@@ -12366,34 +12602,24 @@
             </a:endParaRPr>
           </a:p>
           <a:p>
-            <a:endParaRPr lang="en-US" sz="1100" i="1" kern="0" dirty="0">
-              <a:solidFill>
-                <a:sysClr val="windowText" lastClr="000000"/>
-              </a:solidFill>
-            </a:endParaRPr>
-          </a:p>
-          <a:p>
-            <a:endParaRPr lang="en-US" sz="1100" i="1" kern="0" dirty="0">
-              <a:solidFill>
-                <a:sysClr val="windowText" lastClr="000000"/>
-              </a:solidFill>
-            </a:endParaRPr>
-          </a:p>
-          <a:p>
-            <a:endParaRPr lang="en-US" sz="1100" i="1" kern="0" dirty="0">
-              <a:solidFill>
-                <a:sysClr val="windowText" lastClr="000000"/>
-              </a:solidFill>
-            </a:endParaRPr>
-          </a:p>
-          <a:p>
-            <a:endParaRPr lang="en-US" sz="1100" i="1" kern="0" dirty="0">
-              <a:solidFill>
-                <a:sysClr val="windowText" lastClr="000000"/>
-              </a:solidFill>
-            </a:endParaRPr>
-          </a:p>
-          <a:p>
+            <a:pPr marL="228600" indent="-228600">
+              <a:buFont typeface="+mj-lt"/>
+              <a:buAutoNum type="arabicPeriod"/>
+            </a:pPr>
+            <a:r>
+              <a:rPr lang="en-US" sz="1100" i="1" kern="0" dirty="0">
+                <a:solidFill>
+                  <a:sysClr val="windowText" lastClr="000000"/>
+                </a:solidFill>
+              </a:rPr>
+              <a:t>Vaccines availability for different age groups like 18+, 45+ is shown while scheduling.</a:t>
+            </a:r>
+          </a:p>
+          <a:p>
+            <a:pPr marL="228600" indent="-228600">
+              <a:buFont typeface="+mj-lt"/>
+              <a:buAutoNum type="arabicPeriod"/>
+            </a:pPr>
             <a:endParaRPr lang="en-US" sz="1100" i="1" kern="0" dirty="0">
               <a:solidFill>
                 <a:sysClr val="windowText" lastClr="000000"/>
@@ -12490,8 +12716,8 @@
         </p:nvSpPr>
         <p:spPr>
           <a:xfrm>
-            <a:off x="384048" y="230777"/>
-            <a:ext cx="4187952" cy="397764"/>
+            <a:off x="384047" y="191629"/>
+            <a:ext cx="4565324" cy="397764"/>
           </a:xfrm>
         </p:spPr>
         <p:txBody>
@@ -12531,293 +12757,13 @@
       </p:pic>
       <p:sp>
         <p:nvSpPr>
-          <p:cNvPr id="7" name="Oval 16"/>
-          <p:cNvSpPr>
-            <a:spLocks/>
-          </p:cNvSpPr>
-          <p:nvPr/>
-        </p:nvSpPr>
-        <p:spPr bwMode="auto">
-          <a:xfrm>
-            <a:off x="353930" y="1797328"/>
-            <a:ext cx="3991928" cy="465362"/>
-          </a:xfrm>
-          <a:prstGeom prst="roundRect">
-            <a:avLst>
-              <a:gd name="adj" fmla="val 7409"/>
-            </a:avLst>
-          </a:prstGeom>
-          <a:solidFill>
-            <a:srgbClr val="002060"/>
-          </a:solidFill>
-          <a:ln>
-            <a:noFill/>
-          </a:ln>
-          <a:effectLst>
-            <a:outerShdw blurRad="50800" dist="38100" dir="2700000" algn="tl" rotWithShape="0">
-              <a:prstClr val="black">
-                <a:alpha val="40000"/>
-              </a:prstClr>
-            </a:outerShdw>
-          </a:effectLst>
-        </p:spPr>
-        <p:txBody>
-          <a:bodyPr lIns="0" tIns="0" rIns="0" bIns="0"/>
-          <a:lstStyle/>
-          <a:p>
-            <a:pPr algn="ctr">
-              <a:spcBef>
-                <a:spcPts val="133"/>
-              </a:spcBef>
-              <a:spcAft>
-                <a:spcPts val="133"/>
-              </a:spcAft>
-              <a:tabLst>
-                <a:tab pos="241240" algn="l"/>
-              </a:tabLst>
-              <a:defRPr/>
-            </a:pPr>
-            <a:endParaRPr lang="en-US" sz="1200" b="1" kern="0" dirty="0">
-              <a:solidFill>
-                <a:schemeClr val="bg1"/>
-              </a:solidFill>
-              <a:cs typeface="Arial" pitchFamily="34" charset="0"/>
-            </a:endParaRPr>
-          </a:p>
-          <a:p>
-            <a:pPr algn="ctr">
-              <a:spcBef>
-                <a:spcPts val="133"/>
-              </a:spcBef>
-              <a:spcAft>
-                <a:spcPts val="133"/>
-              </a:spcAft>
-              <a:tabLst>
-                <a:tab pos="241240" algn="l"/>
-              </a:tabLst>
-              <a:defRPr/>
-            </a:pPr>
-            <a:r>
-              <a:rPr lang="en-US" sz="1200" b="1" kern="0" dirty="0">
-                <a:solidFill>
-                  <a:schemeClr val="bg1"/>
-                </a:solidFill>
-                <a:cs typeface="Arial" pitchFamily="34" charset="0"/>
-              </a:rPr>
-              <a:t>Impact / Benefit of the idea</a:t>
-            </a:r>
-          </a:p>
-        </p:txBody>
-      </p:sp>
-      <p:sp>
-        <p:nvSpPr>
-          <p:cNvPr id="8" name="Oval 16"/>
-          <p:cNvSpPr>
-            <a:spLocks/>
-          </p:cNvSpPr>
-          <p:nvPr/>
-        </p:nvSpPr>
-        <p:spPr bwMode="auto">
-          <a:xfrm>
-            <a:off x="353930" y="2337094"/>
-            <a:ext cx="4080418" cy="2205409"/>
-          </a:xfrm>
-          <a:prstGeom prst="roundRect">
-            <a:avLst>
-              <a:gd name="adj" fmla="val 7409"/>
-            </a:avLst>
-          </a:prstGeom>
-          <a:solidFill>
-            <a:schemeClr val="bg1">
-              <a:lumMod val="95000"/>
-            </a:schemeClr>
-          </a:solidFill>
-          <a:ln>
-            <a:noFill/>
-          </a:ln>
-          <a:effectLst>
-            <a:outerShdw blurRad="50800" dist="38100" dir="2700000" algn="tl" rotWithShape="0">
-              <a:prstClr val="black">
-                <a:alpha val="40000"/>
-              </a:prstClr>
-            </a:outerShdw>
-          </a:effectLst>
-        </p:spPr>
-        <p:txBody>
-          <a:bodyPr lIns="0" tIns="0" rIns="0" bIns="0"/>
-          <a:lstStyle/>
-          <a:p>
-            <a:r>
-              <a:rPr lang="en-US" sz="1100" i="1" kern="0" dirty="0">
-                <a:solidFill>
-                  <a:sysClr val="windowText" lastClr="000000"/>
-                </a:solidFill>
-              </a:rPr>
-              <a:t>If this idea is implemented , then there will be no crowding at the vaccination centers. The users doesn’t has to visit vaccination centers if there is vaccines shortage as concerned hospitals contact them before the scheduled day. </a:t>
-            </a:r>
-          </a:p>
-          <a:p>
-            <a:endParaRPr lang="en-US" sz="1100" i="1" kern="0" dirty="0">
-              <a:solidFill>
-                <a:sysClr val="windowText" lastClr="000000"/>
-              </a:solidFill>
-            </a:endParaRPr>
-          </a:p>
-          <a:p>
-            <a:endParaRPr lang="en-US" sz="1100" i="1" kern="0" dirty="0">
-              <a:solidFill>
-                <a:sysClr val="windowText" lastClr="000000"/>
-              </a:solidFill>
-            </a:endParaRPr>
-          </a:p>
-        </p:txBody>
-      </p:sp>
-      <p:sp>
-        <p:nvSpPr>
-          <p:cNvPr id="9" name="Oval 16"/>
-          <p:cNvSpPr>
-            <a:spLocks/>
-          </p:cNvSpPr>
-          <p:nvPr/>
-        </p:nvSpPr>
-        <p:spPr bwMode="auto">
-          <a:xfrm>
-            <a:off x="5466735" y="1742715"/>
-            <a:ext cx="3175819" cy="465362"/>
-          </a:xfrm>
-          <a:prstGeom prst="roundRect">
-            <a:avLst>
-              <a:gd name="adj" fmla="val 7409"/>
-            </a:avLst>
-          </a:prstGeom>
-          <a:solidFill>
-            <a:srgbClr val="002060"/>
-          </a:solidFill>
-          <a:ln>
-            <a:noFill/>
-          </a:ln>
-          <a:effectLst>
-            <a:outerShdw blurRad="50800" dist="38100" dir="2700000" algn="tl" rotWithShape="0">
-              <a:prstClr val="black">
-                <a:alpha val="40000"/>
-              </a:prstClr>
-            </a:outerShdw>
-          </a:effectLst>
-        </p:spPr>
-        <p:txBody>
-          <a:bodyPr lIns="0" tIns="0" rIns="0" bIns="0"/>
-          <a:lstStyle/>
-          <a:p>
-            <a:pPr algn="ctr">
-              <a:spcBef>
-                <a:spcPts val="133"/>
-              </a:spcBef>
-              <a:spcAft>
-                <a:spcPts val="133"/>
-              </a:spcAft>
-              <a:tabLst>
-                <a:tab pos="241240" algn="l"/>
-              </a:tabLst>
-            </a:pPr>
-            <a:endParaRPr lang="en-US" sz="1200" b="1" kern="0" dirty="0">
-              <a:solidFill>
-                <a:schemeClr val="bg1"/>
-              </a:solidFill>
-              <a:cs typeface="Arial" pitchFamily="34" charset="0"/>
-            </a:endParaRPr>
-          </a:p>
-          <a:p>
-            <a:pPr algn="ctr">
-              <a:spcBef>
-                <a:spcPts val="133"/>
-              </a:spcBef>
-              <a:spcAft>
-                <a:spcPts val="133"/>
-              </a:spcAft>
-              <a:tabLst>
-                <a:tab pos="241240" algn="l"/>
-              </a:tabLst>
-            </a:pPr>
-            <a:r>
-              <a:rPr lang="en-US" sz="1200" b="1" kern="0" dirty="0">
-                <a:solidFill>
-                  <a:schemeClr val="bg1"/>
-                </a:solidFill>
-                <a:cs typeface="Arial" pitchFamily="34" charset="0"/>
-              </a:rPr>
-              <a:t>Target  Customers/ Industry</a:t>
-            </a:r>
-          </a:p>
-        </p:txBody>
-      </p:sp>
-      <p:sp>
-        <p:nvSpPr>
-          <p:cNvPr id="10" name="Oval 16"/>
-          <p:cNvSpPr>
-            <a:spLocks/>
-          </p:cNvSpPr>
-          <p:nvPr/>
-        </p:nvSpPr>
-        <p:spPr bwMode="auto">
-          <a:xfrm>
-            <a:off x="5327805" y="2337094"/>
-            <a:ext cx="3441291" cy="2205409"/>
-          </a:xfrm>
-          <a:prstGeom prst="roundRect">
-            <a:avLst>
-              <a:gd name="adj" fmla="val 7409"/>
-            </a:avLst>
-          </a:prstGeom>
-          <a:solidFill>
-            <a:schemeClr val="bg1">
-              <a:lumMod val="95000"/>
-            </a:schemeClr>
-          </a:solidFill>
-          <a:ln>
-            <a:noFill/>
-          </a:ln>
-          <a:effectLst>
-            <a:outerShdw blurRad="50800" dist="38100" dir="2700000" algn="tl" rotWithShape="0">
-              <a:prstClr val="black">
-                <a:alpha val="40000"/>
-              </a:prstClr>
-            </a:outerShdw>
-          </a:effectLst>
-        </p:spPr>
-        <p:txBody>
-          <a:bodyPr lIns="0" tIns="0" rIns="0" bIns="0"/>
-          <a:lstStyle/>
-          <a:p>
-            <a:r>
-              <a:rPr lang="en-US" sz="1100" i="1" kern="0" dirty="0">
-                <a:solidFill>
-                  <a:sysClr val="windowText" lastClr="000000"/>
-                </a:solidFill>
-              </a:rPr>
-              <a:t>All the users and vaccination centers should update their info in website if there are any changes in appointments. Only through their cooperation, this idea will be successful.</a:t>
-            </a:r>
-          </a:p>
-          <a:p>
-            <a:r>
-              <a:rPr lang="en-US" sz="1100" i="1" kern="0" dirty="0">
-                <a:solidFill>
-                  <a:sysClr val="windowText" lastClr="000000"/>
-                </a:solidFill>
-              </a:rPr>
-              <a:t>No matter how much governments try, without the cooperation of users and providers ,new challenges will arise every time. </a:t>
-            </a:r>
-          </a:p>
-        </p:txBody>
-      </p:sp>
-      <p:sp>
-        <p:nvSpPr>
-          <p:cNvPr id="12" name="Rectangle 11"/>
+          <p:cNvPr id="6" name="Rectangle 5"/>
           <p:cNvSpPr/>
           <p:nvPr/>
         </p:nvSpPr>
         <p:spPr>
           <a:xfrm>
-            <a:off x="1120257" y="844813"/>
+            <a:off x="1120257" y="802471"/>
             <a:ext cx="7826900" cy="789960"/>
           </a:xfrm>
           <a:prstGeom prst="rect">
@@ -12908,10 +12854,459 @@
       </p:sp>
       <p:sp>
         <p:nvSpPr>
-          <p:cNvPr id="13" name="TextBox 12">
-            <a:extLst>
-              <a:ext uri="{FF2B5EF4-FFF2-40B4-BE49-F238E27FC236}">
-                <a16:creationId xmlns:a16="http://schemas.microsoft.com/office/drawing/2014/main" id="{8EB9A01C-EC40-4E7E-9CB8-5FAC8D504DFE}"/>
+          <p:cNvPr id="7" name="Oval 16"/>
+          <p:cNvSpPr>
+            <a:spLocks/>
+          </p:cNvSpPr>
+          <p:nvPr/>
+        </p:nvSpPr>
+        <p:spPr bwMode="auto">
+          <a:xfrm>
+            <a:off x="353930" y="1797328"/>
+            <a:ext cx="2792393" cy="465362"/>
+          </a:xfrm>
+          <a:prstGeom prst="roundRect">
+            <a:avLst>
+              <a:gd name="adj" fmla="val 7409"/>
+            </a:avLst>
+          </a:prstGeom>
+          <a:solidFill>
+            <a:srgbClr val="002060"/>
+          </a:solidFill>
+          <a:ln>
+            <a:noFill/>
+          </a:ln>
+          <a:effectLst>
+            <a:outerShdw blurRad="50800" dist="38100" dir="2700000" algn="tl" rotWithShape="0">
+              <a:prstClr val="black">
+                <a:alpha val="40000"/>
+              </a:prstClr>
+            </a:outerShdw>
+          </a:effectLst>
+        </p:spPr>
+        <p:txBody>
+          <a:bodyPr lIns="0" tIns="0" rIns="0" bIns="0"/>
+          <a:lstStyle/>
+          <a:p>
+            <a:pPr algn="ctr">
+              <a:spcBef>
+                <a:spcPts val="133"/>
+              </a:spcBef>
+              <a:spcAft>
+                <a:spcPts val="133"/>
+              </a:spcAft>
+              <a:tabLst>
+                <a:tab pos="241240" algn="l"/>
+              </a:tabLst>
+              <a:defRPr/>
+            </a:pPr>
+            <a:endParaRPr lang="en-US" sz="1200" b="1" kern="0" dirty="0">
+              <a:solidFill>
+                <a:schemeClr val="bg1"/>
+              </a:solidFill>
+              <a:cs typeface="Arial" pitchFamily="34" charset="0"/>
+            </a:endParaRPr>
+          </a:p>
+          <a:p>
+            <a:pPr algn="ctr">
+              <a:spcBef>
+                <a:spcPts val="133"/>
+              </a:spcBef>
+              <a:spcAft>
+                <a:spcPts val="133"/>
+              </a:spcAft>
+              <a:tabLst>
+                <a:tab pos="241240" algn="l"/>
+              </a:tabLst>
+              <a:defRPr/>
+            </a:pPr>
+            <a:r>
+              <a:rPr lang="en-US" sz="1200" b="1" kern="0" dirty="0">
+                <a:solidFill>
+                  <a:schemeClr val="bg1"/>
+                </a:solidFill>
+                <a:cs typeface="Arial" pitchFamily="34" charset="0"/>
+              </a:rPr>
+              <a:t>Challenge/ Scenario</a:t>
+            </a:r>
+          </a:p>
+        </p:txBody>
+      </p:sp>
+      <p:sp>
+        <p:nvSpPr>
+          <p:cNvPr id="8" name="Oval 16"/>
+          <p:cNvSpPr>
+            <a:spLocks/>
+          </p:cNvSpPr>
+          <p:nvPr/>
+        </p:nvSpPr>
+        <p:spPr bwMode="auto">
+          <a:xfrm>
+            <a:off x="304800" y="2262690"/>
+            <a:ext cx="2792393" cy="2205409"/>
+          </a:xfrm>
+          <a:prstGeom prst="roundRect">
+            <a:avLst>
+              <a:gd name="adj" fmla="val 7409"/>
+            </a:avLst>
+          </a:prstGeom>
+          <a:solidFill>
+            <a:schemeClr val="bg1">
+              <a:lumMod val="95000"/>
+            </a:schemeClr>
+          </a:solidFill>
+          <a:ln>
+            <a:noFill/>
+          </a:ln>
+          <a:effectLst>
+            <a:outerShdw blurRad="50800" dist="38100" dir="2700000" algn="tl" rotWithShape="0">
+              <a:prstClr val="black">
+                <a:alpha val="40000"/>
+              </a:prstClr>
+            </a:outerShdw>
+          </a:effectLst>
+        </p:spPr>
+        <p:txBody>
+          <a:bodyPr lIns="0" tIns="0" rIns="0" bIns="0"/>
+          <a:lstStyle/>
+          <a:p>
+            <a:pPr marL="228600" indent="-228600">
+              <a:buFont typeface="+mj-lt"/>
+              <a:buAutoNum type="arabicPeriod" startAt="7"/>
+            </a:pPr>
+            <a:r>
+              <a:rPr lang="en-US" sz="1050" i="1" kern="0" dirty="0">
+                <a:solidFill>
+                  <a:sysClr val="windowText" lastClr="000000"/>
+                </a:solidFill>
+              </a:rPr>
+              <a:t>Scheduling 2</a:t>
+            </a:r>
+            <a:r>
+              <a:rPr lang="en-US" sz="1050" i="1" kern="0" baseline="30000" dirty="0">
+                <a:solidFill>
+                  <a:sysClr val="windowText" lastClr="000000"/>
+                </a:solidFill>
+              </a:rPr>
+              <a:t>nd</a:t>
+            </a:r>
+            <a:r>
+              <a:rPr lang="en-US" sz="1050" i="1" kern="0" dirty="0">
+                <a:solidFill>
+                  <a:sysClr val="windowText" lastClr="000000"/>
+                </a:solidFill>
+              </a:rPr>
+              <a:t> time for second dose.</a:t>
+            </a:r>
+          </a:p>
+          <a:p>
+            <a:pPr marL="228600" indent="-228600">
+              <a:buFont typeface="+mj-lt"/>
+              <a:buAutoNum type="arabicPeriod" startAt="7"/>
+            </a:pPr>
+            <a:endParaRPr lang="en-US" sz="1050" i="1" kern="0" dirty="0">
+              <a:solidFill>
+                <a:sysClr val="windowText" lastClr="000000"/>
+              </a:solidFill>
+            </a:endParaRPr>
+          </a:p>
+          <a:p>
+            <a:pPr marL="228600" indent="-228600">
+              <a:buFont typeface="+mj-lt"/>
+              <a:buAutoNum type="arabicPeriod" startAt="7"/>
+            </a:pPr>
+            <a:r>
+              <a:rPr lang="en-US" sz="1050" i="1" kern="0" dirty="0">
+                <a:solidFill>
+                  <a:sysClr val="windowText" lastClr="000000"/>
+                </a:solidFill>
+              </a:rPr>
+              <a:t>Updating number of vaccines available. </a:t>
+            </a:r>
+          </a:p>
+          <a:p>
+            <a:pPr marL="228600" indent="-228600">
+              <a:buFont typeface="+mj-lt"/>
+              <a:buAutoNum type="arabicPeriod" startAt="7"/>
+            </a:pPr>
+            <a:endParaRPr lang="en-US" sz="1050" i="1" kern="0" dirty="0">
+              <a:solidFill>
+                <a:sysClr val="windowText" lastClr="000000"/>
+              </a:solidFill>
+            </a:endParaRPr>
+          </a:p>
+          <a:p>
+            <a:endParaRPr lang="en-US" sz="1050" i="1" kern="0" dirty="0">
+              <a:solidFill>
+                <a:sysClr val="windowText" lastClr="000000"/>
+              </a:solidFill>
+            </a:endParaRPr>
+          </a:p>
+          <a:p>
+            <a:endParaRPr lang="en-US" sz="1050" i="1" kern="0" dirty="0">
+              <a:solidFill>
+                <a:sysClr val="windowText" lastClr="000000"/>
+              </a:solidFill>
+            </a:endParaRPr>
+          </a:p>
+        </p:txBody>
+      </p:sp>
+      <p:sp>
+        <p:nvSpPr>
+          <p:cNvPr id="9" name="Oval 16"/>
+          <p:cNvSpPr>
+            <a:spLocks/>
+          </p:cNvSpPr>
+          <p:nvPr/>
+        </p:nvSpPr>
+        <p:spPr bwMode="auto">
+          <a:xfrm>
+            <a:off x="3479432" y="1797328"/>
+            <a:ext cx="5359768" cy="465362"/>
+          </a:xfrm>
+          <a:prstGeom prst="roundRect">
+            <a:avLst>
+              <a:gd name="adj" fmla="val 7409"/>
+            </a:avLst>
+          </a:prstGeom>
+          <a:solidFill>
+            <a:srgbClr val="002060"/>
+          </a:solidFill>
+          <a:ln>
+            <a:noFill/>
+          </a:ln>
+          <a:effectLst>
+            <a:outerShdw blurRad="50800" dist="38100" dir="2700000" algn="tl" rotWithShape="0">
+              <a:prstClr val="black">
+                <a:alpha val="40000"/>
+              </a:prstClr>
+            </a:outerShdw>
+          </a:effectLst>
+        </p:spPr>
+        <p:txBody>
+          <a:bodyPr lIns="0" tIns="0" rIns="0" bIns="0"/>
+          <a:lstStyle/>
+          <a:p>
+            <a:pPr algn="ctr">
+              <a:spcBef>
+                <a:spcPts val="133"/>
+              </a:spcBef>
+              <a:spcAft>
+                <a:spcPts val="133"/>
+              </a:spcAft>
+              <a:tabLst>
+                <a:tab pos="241240" algn="l"/>
+              </a:tabLst>
+            </a:pPr>
+            <a:endParaRPr lang="en-US" sz="1200" b="1" kern="0" dirty="0">
+              <a:solidFill>
+                <a:schemeClr val="bg1"/>
+              </a:solidFill>
+              <a:cs typeface="Arial" pitchFamily="34" charset="0"/>
+            </a:endParaRPr>
+          </a:p>
+          <a:p>
+            <a:pPr algn="ctr">
+              <a:spcBef>
+                <a:spcPts val="133"/>
+              </a:spcBef>
+              <a:spcAft>
+                <a:spcPts val="133"/>
+              </a:spcAft>
+              <a:tabLst>
+                <a:tab pos="241240" algn="l"/>
+              </a:tabLst>
+            </a:pPr>
+            <a:r>
+              <a:rPr lang="en-US" sz="1200" b="1" kern="0" dirty="0">
+                <a:solidFill>
+                  <a:schemeClr val="bg1"/>
+                </a:solidFill>
+                <a:cs typeface="Arial" pitchFamily="34" charset="0"/>
+              </a:rPr>
+              <a:t>Solution Approach </a:t>
+            </a:r>
+          </a:p>
+        </p:txBody>
+      </p:sp>
+      <p:sp>
+        <p:nvSpPr>
+          <p:cNvPr id="10" name="Oval 16"/>
+          <p:cNvSpPr>
+            <a:spLocks/>
+          </p:cNvSpPr>
+          <p:nvPr/>
+        </p:nvSpPr>
+        <p:spPr bwMode="auto">
+          <a:xfrm>
+            <a:off x="3312942" y="2247427"/>
+            <a:ext cx="5831058" cy="2421852"/>
+          </a:xfrm>
+          <a:prstGeom prst="roundRect">
+            <a:avLst>
+              <a:gd name="adj" fmla="val 7409"/>
+            </a:avLst>
+          </a:prstGeom>
+          <a:solidFill>
+            <a:schemeClr val="bg1">
+              <a:lumMod val="95000"/>
+            </a:schemeClr>
+          </a:solidFill>
+          <a:ln>
+            <a:noFill/>
+          </a:ln>
+          <a:effectLst>
+            <a:outerShdw blurRad="50800" dist="38100" dir="2700000" algn="tl" rotWithShape="0">
+              <a:prstClr val="black">
+                <a:alpha val="40000"/>
+              </a:prstClr>
+            </a:outerShdw>
+          </a:effectLst>
+        </p:spPr>
+        <p:txBody>
+          <a:bodyPr lIns="0" tIns="0" rIns="0" bIns="0"/>
+          <a:lstStyle/>
+          <a:p>
+            <a:pPr marL="228600" indent="-228600">
+              <a:buFont typeface="+mj-lt"/>
+              <a:buAutoNum type="arabicPeriod" startAt="7"/>
+            </a:pPr>
+            <a:r>
+              <a:rPr lang="en-US" sz="1100" i="1" kern="0" dirty="0">
+                <a:solidFill>
+                  <a:sysClr val="windowText" lastClr="000000"/>
+                </a:solidFill>
+              </a:rPr>
+              <a:t>After 1</a:t>
+            </a:r>
+            <a:r>
+              <a:rPr lang="en-US" sz="1100" i="1" kern="0" baseline="30000" dirty="0">
+                <a:solidFill>
+                  <a:sysClr val="windowText" lastClr="000000"/>
+                </a:solidFill>
+              </a:rPr>
+              <a:t>st</a:t>
+            </a:r>
+            <a:r>
+              <a:rPr lang="en-US" sz="1100" i="1" kern="0" dirty="0">
+                <a:solidFill>
+                  <a:sysClr val="windowText" lastClr="000000"/>
+                </a:solidFill>
+              </a:rPr>
+              <a:t> dose is taken, people can schedule their second dose according to the time gap between 2 doses for different types of vaccines.</a:t>
+            </a:r>
+          </a:p>
+          <a:p>
+            <a:pPr marL="228600" indent="-228600">
+              <a:buFont typeface="+mj-lt"/>
+              <a:buAutoNum type="arabicPeriod" startAt="7"/>
+            </a:pPr>
+            <a:r>
+              <a:rPr lang="en-US" sz="1100" i="1" kern="0" dirty="0">
+                <a:solidFill>
+                  <a:sysClr val="windowText" lastClr="000000"/>
+                </a:solidFill>
+              </a:rPr>
+              <a:t>A special page is created for Vaccination centers to update the number of vaccinations available.</a:t>
+            </a:r>
+          </a:p>
+          <a:p>
+            <a:endParaRPr lang="en-US" sz="1100" i="1" kern="0" dirty="0">
+              <a:solidFill>
+                <a:sysClr val="windowText" lastClr="000000"/>
+              </a:solidFill>
+            </a:endParaRPr>
+          </a:p>
+          <a:p>
+            <a:endParaRPr lang="en-US" sz="1100" i="1" kern="0" dirty="0">
+              <a:solidFill>
+                <a:sysClr val="windowText" lastClr="000000"/>
+              </a:solidFill>
+            </a:endParaRPr>
+          </a:p>
+          <a:p>
+            <a:r>
+              <a:rPr lang="en-US" sz="1100" i="1" kern="0" dirty="0">
+                <a:solidFill>
+                  <a:sysClr val="windowText" lastClr="000000"/>
+                </a:solidFill>
+              </a:rPr>
+              <a:t>Technologies used: HTML ,CSS, Java Script ,Bootstrap (only for static pages).</a:t>
+            </a:r>
+          </a:p>
+          <a:p>
+            <a:r>
+              <a:rPr lang="en-US" sz="1100" i="1" kern="0" dirty="0">
+                <a:solidFill>
+                  <a:sysClr val="windowText" lastClr="000000"/>
+                </a:solidFill>
+              </a:rPr>
+              <a:t>		         SQL, Spring MVC </a:t>
+            </a:r>
+          </a:p>
+          <a:p>
+            <a:endParaRPr lang="en-US" sz="1100" i="1" kern="0" dirty="0">
+              <a:solidFill>
+                <a:sysClr val="windowText" lastClr="000000"/>
+              </a:solidFill>
+            </a:endParaRPr>
+          </a:p>
+          <a:p>
+            <a:r>
+              <a:rPr lang="en-US" sz="1100" i="1" kern="0" dirty="0">
+                <a:solidFill>
+                  <a:sysClr val="windowText" lastClr="000000"/>
+                </a:solidFill>
+              </a:rPr>
+              <a:t>Working Platform- Cognizant Laptop (Asset Id-LTIN270530)</a:t>
+            </a:r>
+          </a:p>
+          <a:p>
+            <a:endParaRPr lang="en-US" sz="1100" i="1" kern="0" dirty="0">
+              <a:solidFill>
+                <a:sysClr val="windowText" lastClr="000000"/>
+              </a:solidFill>
+            </a:endParaRPr>
+          </a:p>
+          <a:p>
+            <a:r>
+              <a:rPr lang="en-US" sz="1100" i="1" kern="0" dirty="0">
+                <a:solidFill>
+                  <a:sysClr val="windowText" lastClr="000000"/>
+                </a:solidFill>
+              </a:rPr>
+              <a:t>No of  web pages-7 to 10 pages.</a:t>
+            </a:r>
+          </a:p>
+          <a:p>
+            <a:endParaRPr lang="en-US" sz="1100" i="1" kern="0" dirty="0">
+              <a:solidFill>
+                <a:sysClr val="windowText" lastClr="000000"/>
+              </a:solidFill>
+            </a:endParaRPr>
+          </a:p>
+          <a:p>
+            <a:endParaRPr lang="en-US" sz="1100" i="1" kern="0" dirty="0">
+              <a:solidFill>
+                <a:sysClr val="windowText" lastClr="000000"/>
+              </a:solidFill>
+            </a:endParaRPr>
+          </a:p>
+          <a:p>
+            <a:endParaRPr lang="en-US" sz="1100" i="1" kern="0" dirty="0">
+              <a:solidFill>
+                <a:sysClr val="windowText" lastClr="000000"/>
+              </a:solidFill>
+            </a:endParaRPr>
+          </a:p>
+        </p:txBody>
+      </p:sp>
+      <p:sp>
+        <p:nvSpPr>
+          <p:cNvPr id="12" name="TextBox 11">
+            <a:extLst>
+              <a:ext uri="{FF2B5EF4-FFF2-40B4-BE49-F238E27FC236}">
+                <a16:creationId xmlns:a16="http://schemas.microsoft.com/office/drawing/2014/main" id="{4A0B3302-2C32-4215-839A-CE893DE243AD}"/>
               </a:ext>
             </a:extLst>
           </p:cNvPr>
@@ -12920,8 +13315,8 @@
         </p:nvSpPr>
         <p:spPr>
           <a:xfrm>
-            <a:off x="6700928" y="347444"/>
-            <a:ext cx="2246229" cy="551543"/>
+            <a:off x="6799007" y="349771"/>
+            <a:ext cx="2040193" cy="276999"/>
           </a:xfrm>
           <a:prstGeom prst="rect">
             <a:avLst/>
@@ -12950,20 +13345,12 @@
               <a:latin typeface="Avenir Next LT Pro Demi" panose="020B0604020202020204" pitchFamily="34" charset="0"/>
             </a:endParaRPr>
           </a:p>
-          <a:p>
-            <a:pPr algn="ctr"/>
-            <a:endParaRPr lang="en-IN" dirty="0">
-              <a:solidFill>
-                <a:schemeClr val="tx2"/>
-              </a:solidFill>
-            </a:endParaRPr>
-          </a:p>
         </p:txBody>
       </p:sp>
     </p:spTree>
     <p:extLst>
       <p:ext uri="{BB962C8B-B14F-4D97-AF65-F5344CB8AC3E}">
-        <p14:creationId xmlns:p14="http://schemas.microsoft.com/office/powerpoint/2010/main" val="1435800668"/>
+        <p14:creationId xmlns:p14="http://schemas.microsoft.com/office/powerpoint/2010/main" val="2358209368"/>
       </p:ext>
     </p:extLst>
   </p:cSld>
@@ -12992,6 +13379,609 @@
       </p:grpSpPr>
       <p:sp>
         <p:nvSpPr>
+          <p:cNvPr id="2" name="Title 1"/>
+          <p:cNvSpPr>
+            <a:spLocks noGrp="1"/>
+          </p:cNvSpPr>
+          <p:nvPr>
+            <p:ph type="title"/>
+          </p:nvPr>
+        </p:nvSpPr>
+        <p:spPr>
+          <a:xfrm>
+            <a:off x="384048" y="230777"/>
+            <a:ext cx="4187952" cy="397764"/>
+          </a:xfrm>
+        </p:spPr>
+        <p:txBody>
+          <a:bodyPr/>
+          <a:lstStyle/>
+          <a:p>
+            <a:r>
+              <a:rPr lang="en-US" dirty="0"/>
+              <a:t>Idea Description(Short)</a:t>
+            </a:r>
+          </a:p>
+        </p:txBody>
+      </p:sp>
+      <p:pic>
+        <p:nvPicPr>
+          <p:cNvPr id="5" name="Picture 4"/>
+          <p:cNvPicPr>
+            <a:picLocks noChangeAspect="1"/>
+          </p:cNvPicPr>
+          <p:nvPr/>
+        </p:nvPicPr>
+        <p:blipFill>
+          <a:blip r:embed="rId2"/>
+          <a:stretch>
+            <a:fillRect/>
+          </a:stretch>
+        </p:blipFill>
+        <p:spPr>
+          <a:xfrm>
+            <a:off x="384047" y="871410"/>
+            <a:ext cx="736210" cy="694778"/>
+          </a:xfrm>
+          <a:prstGeom prst="rect">
+            <a:avLst/>
+          </a:prstGeom>
+        </p:spPr>
+      </p:pic>
+      <p:sp>
+        <p:nvSpPr>
+          <p:cNvPr id="7" name="Oval 16"/>
+          <p:cNvSpPr>
+            <a:spLocks/>
+          </p:cNvSpPr>
+          <p:nvPr/>
+        </p:nvSpPr>
+        <p:spPr bwMode="auto">
+          <a:xfrm>
+            <a:off x="353930" y="1797328"/>
+            <a:ext cx="3991928" cy="465362"/>
+          </a:xfrm>
+          <a:prstGeom prst="roundRect">
+            <a:avLst>
+              <a:gd name="adj" fmla="val 7409"/>
+            </a:avLst>
+          </a:prstGeom>
+          <a:solidFill>
+            <a:srgbClr val="002060"/>
+          </a:solidFill>
+          <a:ln>
+            <a:noFill/>
+          </a:ln>
+          <a:effectLst>
+            <a:outerShdw blurRad="50800" dist="38100" dir="2700000" algn="tl" rotWithShape="0">
+              <a:prstClr val="black">
+                <a:alpha val="40000"/>
+              </a:prstClr>
+            </a:outerShdw>
+          </a:effectLst>
+        </p:spPr>
+        <p:txBody>
+          <a:bodyPr lIns="0" tIns="0" rIns="0" bIns="0"/>
+          <a:lstStyle/>
+          <a:p>
+            <a:pPr algn="ctr">
+              <a:spcBef>
+                <a:spcPts val="133"/>
+              </a:spcBef>
+              <a:spcAft>
+                <a:spcPts val="133"/>
+              </a:spcAft>
+              <a:tabLst>
+                <a:tab pos="241240" algn="l"/>
+              </a:tabLst>
+              <a:defRPr/>
+            </a:pPr>
+            <a:endParaRPr lang="en-US" sz="1200" b="1" kern="0" dirty="0">
+              <a:solidFill>
+                <a:schemeClr val="bg1"/>
+              </a:solidFill>
+              <a:cs typeface="Arial" pitchFamily="34" charset="0"/>
+            </a:endParaRPr>
+          </a:p>
+          <a:p>
+            <a:pPr algn="ctr">
+              <a:spcBef>
+                <a:spcPts val="133"/>
+              </a:spcBef>
+              <a:spcAft>
+                <a:spcPts val="133"/>
+              </a:spcAft>
+              <a:tabLst>
+                <a:tab pos="241240" algn="l"/>
+              </a:tabLst>
+              <a:defRPr/>
+            </a:pPr>
+            <a:r>
+              <a:rPr lang="en-US" sz="1200" b="1" kern="0" dirty="0">
+                <a:solidFill>
+                  <a:schemeClr val="bg1"/>
+                </a:solidFill>
+                <a:cs typeface="Arial" pitchFamily="34" charset="0"/>
+              </a:rPr>
+              <a:t>Impact / Benefit of the idea</a:t>
+            </a:r>
+          </a:p>
+        </p:txBody>
+      </p:sp>
+      <p:sp>
+        <p:nvSpPr>
+          <p:cNvPr id="8" name="Oval 16"/>
+          <p:cNvSpPr>
+            <a:spLocks/>
+          </p:cNvSpPr>
+          <p:nvPr/>
+        </p:nvSpPr>
+        <p:spPr bwMode="auto">
+          <a:xfrm>
+            <a:off x="353930" y="2337094"/>
+            <a:ext cx="4080418" cy="2205409"/>
+          </a:xfrm>
+          <a:prstGeom prst="roundRect">
+            <a:avLst>
+              <a:gd name="adj" fmla="val 7409"/>
+            </a:avLst>
+          </a:prstGeom>
+          <a:solidFill>
+            <a:schemeClr val="bg1">
+              <a:lumMod val="95000"/>
+            </a:schemeClr>
+          </a:solidFill>
+          <a:ln>
+            <a:noFill/>
+          </a:ln>
+          <a:effectLst>
+            <a:outerShdw blurRad="50800" dist="38100" dir="2700000" algn="tl" rotWithShape="0">
+              <a:prstClr val="black">
+                <a:alpha val="40000"/>
+              </a:prstClr>
+            </a:outerShdw>
+          </a:effectLst>
+        </p:spPr>
+        <p:txBody>
+          <a:bodyPr lIns="0" tIns="0" rIns="0" bIns="0"/>
+          <a:lstStyle/>
+          <a:p>
+            <a:pPr marL="171450" indent="-171450">
+              <a:buFont typeface="Arial" panose="020B0604020202020204" pitchFamily="34" charset="0"/>
+              <a:buChar char="•"/>
+            </a:pPr>
+            <a:r>
+              <a:rPr lang="en-US" sz="1100" i="1" kern="0" dirty="0">
+                <a:solidFill>
+                  <a:sysClr val="windowText" lastClr="000000"/>
+                </a:solidFill>
+              </a:rPr>
+              <a:t>This will enable smooth conduct of vaccination of every citizen.</a:t>
+            </a:r>
+          </a:p>
+          <a:p>
+            <a:pPr marL="171450" indent="-171450">
+              <a:buFont typeface="Arial" panose="020B0604020202020204" pitchFamily="34" charset="0"/>
+              <a:buChar char="•"/>
+            </a:pPr>
+            <a:endParaRPr lang="en-US" sz="1100" i="1" kern="0" dirty="0">
+              <a:solidFill>
+                <a:sysClr val="windowText" lastClr="000000"/>
+              </a:solidFill>
+            </a:endParaRPr>
+          </a:p>
+          <a:p>
+            <a:pPr marL="171450" indent="-171450">
+              <a:buFont typeface="Arial" panose="020B0604020202020204" pitchFamily="34" charset="0"/>
+              <a:buChar char="•"/>
+            </a:pPr>
+            <a:r>
+              <a:rPr lang="en-US" sz="1100" i="1" kern="0" dirty="0">
+                <a:solidFill>
+                  <a:sysClr val="windowText" lastClr="000000"/>
+                </a:solidFill>
+              </a:rPr>
+              <a:t>Since we are Using simple UI, It is easy for illiterates to use this webpage.</a:t>
+            </a:r>
+          </a:p>
+          <a:p>
+            <a:pPr marL="171450" indent="-171450">
+              <a:buFont typeface="Arial" panose="020B0604020202020204" pitchFamily="34" charset="0"/>
+              <a:buChar char="•"/>
+            </a:pPr>
+            <a:endParaRPr lang="en-US" sz="1100" i="1" kern="0" dirty="0">
+              <a:solidFill>
+                <a:sysClr val="windowText" lastClr="000000"/>
+              </a:solidFill>
+            </a:endParaRPr>
+          </a:p>
+          <a:p>
+            <a:endParaRPr lang="en-US" sz="1100" i="1" kern="0" dirty="0">
+              <a:solidFill>
+                <a:sysClr val="windowText" lastClr="000000"/>
+              </a:solidFill>
+            </a:endParaRPr>
+          </a:p>
+          <a:p>
+            <a:endParaRPr lang="en-US" sz="1100" i="1" kern="0" dirty="0">
+              <a:solidFill>
+                <a:sysClr val="windowText" lastClr="000000"/>
+              </a:solidFill>
+            </a:endParaRPr>
+          </a:p>
+          <a:p>
+            <a:endParaRPr lang="en-US" sz="1100" i="1" kern="0" dirty="0">
+              <a:solidFill>
+                <a:sysClr val="windowText" lastClr="000000"/>
+              </a:solidFill>
+            </a:endParaRPr>
+          </a:p>
+        </p:txBody>
+      </p:sp>
+      <p:sp>
+        <p:nvSpPr>
+          <p:cNvPr id="9" name="Oval 16"/>
+          <p:cNvSpPr>
+            <a:spLocks/>
+          </p:cNvSpPr>
+          <p:nvPr/>
+        </p:nvSpPr>
+        <p:spPr bwMode="auto">
+          <a:xfrm>
+            <a:off x="5466735" y="1742715"/>
+            <a:ext cx="3175819" cy="465362"/>
+          </a:xfrm>
+          <a:prstGeom prst="roundRect">
+            <a:avLst>
+              <a:gd name="adj" fmla="val 7409"/>
+            </a:avLst>
+          </a:prstGeom>
+          <a:solidFill>
+            <a:srgbClr val="002060"/>
+          </a:solidFill>
+          <a:ln>
+            <a:noFill/>
+          </a:ln>
+          <a:effectLst>
+            <a:outerShdw blurRad="50800" dist="38100" dir="2700000" algn="tl" rotWithShape="0">
+              <a:prstClr val="black">
+                <a:alpha val="40000"/>
+              </a:prstClr>
+            </a:outerShdw>
+          </a:effectLst>
+        </p:spPr>
+        <p:txBody>
+          <a:bodyPr lIns="0" tIns="0" rIns="0" bIns="0"/>
+          <a:lstStyle/>
+          <a:p>
+            <a:pPr algn="ctr">
+              <a:spcBef>
+                <a:spcPts val="133"/>
+              </a:spcBef>
+              <a:spcAft>
+                <a:spcPts val="133"/>
+              </a:spcAft>
+              <a:tabLst>
+                <a:tab pos="241240" algn="l"/>
+              </a:tabLst>
+            </a:pPr>
+            <a:endParaRPr lang="en-US" sz="1200" b="1" kern="0" dirty="0">
+              <a:solidFill>
+                <a:schemeClr val="bg1"/>
+              </a:solidFill>
+              <a:cs typeface="Arial" pitchFamily="34" charset="0"/>
+            </a:endParaRPr>
+          </a:p>
+          <a:p>
+            <a:pPr algn="ctr">
+              <a:spcBef>
+                <a:spcPts val="133"/>
+              </a:spcBef>
+              <a:spcAft>
+                <a:spcPts val="133"/>
+              </a:spcAft>
+              <a:tabLst>
+                <a:tab pos="241240" algn="l"/>
+              </a:tabLst>
+            </a:pPr>
+            <a:r>
+              <a:rPr lang="en-US" sz="1200" b="1" kern="0" dirty="0">
+                <a:solidFill>
+                  <a:schemeClr val="bg1"/>
+                </a:solidFill>
+                <a:cs typeface="Arial" pitchFamily="34" charset="0"/>
+              </a:rPr>
+              <a:t>Target  Customers/ Industry</a:t>
+            </a:r>
+          </a:p>
+        </p:txBody>
+      </p:sp>
+      <p:sp>
+        <p:nvSpPr>
+          <p:cNvPr id="10" name="Oval 16"/>
+          <p:cNvSpPr>
+            <a:spLocks/>
+          </p:cNvSpPr>
+          <p:nvPr/>
+        </p:nvSpPr>
+        <p:spPr bwMode="auto">
+          <a:xfrm>
+            <a:off x="5327805" y="2337094"/>
+            <a:ext cx="3441291" cy="2205409"/>
+          </a:xfrm>
+          <a:prstGeom prst="roundRect">
+            <a:avLst>
+              <a:gd name="adj" fmla="val 7409"/>
+            </a:avLst>
+          </a:prstGeom>
+          <a:solidFill>
+            <a:schemeClr val="bg1">
+              <a:lumMod val="95000"/>
+            </a:schemeClr>
+          </a:solidFill>
+          <a:ln>
+            <a:noFill/>
+          </a:ln>
+          <a:effectLst>
+            <a:outerShdw blurRad="50800" dist="38100" dir="2700000" algn="tl" rotWithShape="0">
+              <a:prstClr val="black">
+                <a:alpha val="40000"/>
+              </a:prstClr>
+            </a:outerShdw>
+          </a:effectLst>
+        </p:spPr>
+        <p:txBody>
+          <a:bodyPr lIns="0" tIns="0" rIns="0" bIns="0"/>
+          <a:lstStyle/>
+          <a:p>
+            <a:pPr marL="171450" indent="-171450">
+              <a:buFont typeface="Arial" panose="020B0604020202020204" pitchFamily="34" charset="0"/>
+              <a:buChar char="•"/>
+            </a:pPr>
+            <a:r>
+              <a:rPr lang="en-US" sz="1100" i="1" kern="0" dirty="0">
+                <a:solidFill>
+                  <a:sysClr val="windowText" lastClr="000000"/>
+                </a:solidFill>
+              </a:rPr>
+              <a:t>All the citizens of country and vaccination centers.</a:t>
+            </a:r>
+          </a:p>
+          <a:p>
+            <a:pPr marL="171450" indent="-171450">
+              <a:buFont typeface="Arial" panose="020B0604020202020204" pitchFamily="34" charset="0"/>
+              <a:buChar char="•"/>
+            </a:pPr>
+            <a:endParaRPr lang="en-US" sz="1100" i="1" kern="0" dirty="0">
+              <a:solidFill>
+                <a:sysClr val="windowText" lastClr="000000"/>
+              </a:solidFill>
+            </a:endParaRPr>
+          </a:p>
+          <a:p>
+            <a:pPr marL="171450" indent="-171450">
+              <a:buFont typeface="Arial" panose="020B0604020202020204" pitchFamily="34" charset="0"/>
+              <a:buChar char="•"/>
+            </a:pPr>
+            <a:r>
+              <a:rPr lang="en-US" sz="1100" i="1" kern="0" dirty="0">
+                <a:solidFill>
+                  <a:sysClr val="windowText" lastClr="000000"/>
+                </a:solidFill>
+              </a:rPr>
+              <a:t>Every citizen can use this website to register and schedule themselves for vaccination.</a:t>
+            </a:r>
+          </a:p>
+          <a:p>
+            <a:pPr marL="171450" indent="-171450">
+              <a:buFont typeface="Arial" panose="020B0604020202020204" pitchFamily="34" charset="0"/>
+              <a:buChar char="•"/>
+            </a:pPr>
+            <a:endParaRPr lang="en-US" sz="1100" i="1" kern="0" dirty="0">
+              <a:solidFill>
+                <a:sysClr val="windowText" lastClr="000000"/>
+              </a:solidFill>
+            </a:endParaRPr>
+          </a:p>
+          <a:p>
+            <a:pPr marL="171450" indent="-171450">
+              <a:buFont typeface="Arial" panose="020B0604020202020204" pitchFamily="34" charset="0"/>
+              <a:buChar char="•"/>
+            </a:pPr>
+            <a:r>
+              <a:rPr lang="en-US" sz="1100" i="1" kern="0" dirty="0">
+                <a:solidFill>
+                  <a:sysClr val="windowText" lastClr="000000"/>
+                </a:solidFill>
+              </a:rPr>
+              <a:t>Vaccination centers can update the number of vaccines available each day.</a:t>
+            </a:r>
+          </a:p>
+        </p:txBody>
+      </p:sp>
+      <p:sp>
+        <p:nvSpPr>
+          <p:cNvPr id="12" name="Rectangle 11"/>
+          <p:cNvSpPr/>
+          <p:nvPr/>
+        </p:nvSpPr>
+        <p:spPr>
+          <a:xfrm>
+            <a:off x="1120257" y="844813"/>
+            <a:ext cx="7826900" cy="789960"/>
+          </a:xfrm>
+          <a:prstGeom prst="rect">
+            <a:avLst/>
+          </a:prstGeom>
+        </p:spPr>
+        <p:txBody>
+          <a:bodyPr wrap="square">
+            <a:spAutoFit/>
+          </a:bodyPr>
+          <a:lstStyle/>
+          <a:p>
+            <a:pPr marL="74064" defTabSz="1216780" eaLnBrk="0" hangingPunct="0">
+              <a:spcBef>
+                <a:spcPts val="133"/>
+              </a:spcBef>
+              <a:spcAft>
+                <a:spcPts val="133"/>
+              </a:spcAft>
+              <a:tabLst>
+                <a:tab pos="241240" algn="l"/>
+              </a:tabLst>
+            </a:pPr>
+            <a:endParaRPr lang="en-US" sz="1400" b="1" i="1" kern="0" dirty="0">
+              <a:solidFill>
+                <a:schemeClr val="tx2">
+                  <a:lumMod val="65000"/>
+                  <a:lumOff val="35000"/>
+                </a:schemeClr>
+              </a:solidFill>
+              <a:latin typeface="Bodoni MT" panose="02070603080606020203" pitchFamily="18" charset="0"/>
+              <a:cs typeface="Arial" pitchFamily="34" charset="0"/>
+            </a:endParaRPr>
+          </a:p>
+          <a:p>
+            <a:pPr marL="74064" defTabSz="1216780" eaLnBrk="0" hangingPunct="0">
+              <a:spcBef>
+                <a:spcPts val="133"/>
+              </a:spcBef>
+              <a:spcAft>
+                <a:spcPts val="133"/>
+              </a:spcAft>
+              <a:tabLst>
+                <a:tab pos="241240" algn="l"/>
+              </a:tabLst>
+            </a:pPr>
+            <a:r>
+              <a:rPr lang="en-US" sz="1400" b="1" i="1" kern="0" dirty="0">
+                <a:solidFill>
+                  <a:schemeClr val="tx2">
+                    <a:lumMod val="65000"/>
+                    <a:lumOff val="35000"/>
+                  </a:schemeClr>
+                </a:solidFill>
+                <a:latin typeface="Bodoni MT" panose="02070603080606020203" pitchFamily="18" charset="0"/>
+                <a:cs typeface="Arial" pitchFamily="34" charset="0"/>
+              </a:rPr>
+              <a:t>Theme:    Vaccination Tracking System</a:t>
+            </a:r>
+          </a:p>
+          <a:p>
+            <a:pPr marL="74064" defTabSz="1216780" eaLnBrk="0" hangingPunct="0">
+              <a:spcBef>
+                <a:spcPts val="133"/>
+              </a:spcBef>
+              <a:spcAft>
+                <a:spcPts val="133"/>
+              </a:spcAft>
+              <a:tabLst>
+                <a:tab pos="241240" algn="l"/>
+              </a:tabLst>
+            </a:pPr>
+            <a:r>
+              <a:rPr lang="en-US" sz="1400" b="1" i="1" kern="0" dirty="0">
+                <a:solidFill>
+                  <a:schemeClr val="tx2">
+                    <a:lumMod val="65000"/>
+                    <a:lumOff val="35000"/>
+                  </a:schemeClr>
+                </a:solidFill>
+                <a:latin typeface="Bodoni MT" panose="02070603080606020203" pitchFamily="18" charset="0"/>
+                <a:cs typeface="Arial" pitchFamily="34" charset="0"/>
+              </a:rPr>
+              <a:t>Contributor Name: Arun Teja Bodapati</a:t>
+            </a:r>
+          </a:p>
+        </p:txBody>
+      </p:sp>
+      <p:sp>
+        <p:nvSpPr>
+          <p:cNvPr id="13" name="TextBox 12">
+            <a:extLst>
+              <a:ext uri="{FF2B5EF4-FFF2-40B4-BE49-F238E27FC236}">
+                <a16:creationId xmlns:a16="http://schemas.microsoft.com/office/drawing/2014/main" id="{8EB9A01C-EC40-4E7E-9CB8-5FAC8D504DFE}"/>
+              </a:ext>
+            </a:extLst>
+          </p:cNvPr>
+          <p:cNvSpPr txBox="1"/>
+          <p:nvPr/>
+        </p:nvSpPr>
+        <p:spPr>
+          <a:xfrm>
+            <a:off x="6700928" y="347444"/>
+            <a:ext cx="2246229" cy="551543"/>
+          </a:xfrm>
+          <a:prstGeom prst="rect">
+            <a:avLst/>
+          </a:prstGeom>
+        </p:spPr>
+        <p:txBody>
+          <a:bodyPr wrap="square" lIns="0" tIns="0" rIns="0" bIns="0" rtlCol="0">
+            <a:spAutoFit/>
+          </a:bodyPr>
+          <a:lstStyle/>
+          <a:p>
+            <a:pPr algn="ctr"/>
+            <a:r>
+              <a:rPr lang="en-US" b="1" dirty="0">
+                <a:solidFill>
+                  <a:schemeClr val="tx2"/>
+                </a:solidFill>
+                <a:latin typeface="Avenir Next LT Pro Demi" panose="020B0604020202020204" pitchFamily="34" charset="0"/>
+              </a:rPr>
+              <a:t>Hackathon</a:t>
+            </a:r>
+            <a:endParaRPr lang="en-IN" b="1" dirty="0">
+              <a:solidFill>
+                <a:schemeClr val="tx2"/>
+              </a:solidFill>
+              <a:latin typeface="Avenir Next LT Pro Demi" panose="020B0604020202020204" pitchFamily="34" charset="0"/>
+            </a:endParaRPr>
+          </a:p>
+          <a:p>
+            <a:pPr algn="ctr"/>
+            <a:endParaRPr lang="en-IN" dirty="0">
+              <a:solidFill>
+                <a:schemeClr val="tx2"/>
+              </a:solidFill>
+            </a:endParaRPr>
+          </a:p>
+        </p:txBody>
+      </p:sp>
+    </p:spTree>
+    <p:extLst>
+      <p:ext uri="{BB962C8B-B14F-4D97-AF65-F5344CB8AC3E}">
+        <p14:creationId xmlns:p14="http://schemas.microsoft.com/office/powerpoint/2010/main" val="1435800668"/>
+      </p:ext>
+    </p:extLst>
+  </p:cSld>
+  <p:clrMapOvr>
+    <a:masterClrMapping/>
+  </p:clrMapOvr>
+</p:sld>
+</file>
+
+<file path=ppt/slides/slide5.xml><?xml version="1.0" encoding="utf-8"?>
+<p:sld xmlns:a="http://schemas.openxmlformats.org/drawingml/2006/main" xmlns:r="http://schemas.openxmlformats.org/officeDocument/2006/relationships" xmlns:p="http://schemas.openxmlformats.org/presentationml/2006/main">
+  <p:cSld>
+    <p:spTree>
+      <p:nvGrpSpPr>
+        <p:cNvPr id="1" name=""/>
+        <p:cNvGrpSpPr/>
+        <p:nvPr/>
+      </p:nvGrpSpPr>
+      <p:grpSpPr>
+        <a:xfrm>
+          <a:off x="0" y="0"/>
+          <a:ext cx="0" cy="0"/>
+          <a:chOff x="0" y="0"/>
+          <a:chExt cx="0" cy="0"/>
+        </a:xfrm>
+      </p:grpSpPr>
+      <p:sp>
+        <p:nvSpPr>
           <p:cNvPr id="3" name="Content Placeholder 2"/>
           <p:cNvSpPr>
             <a:spLocks noGrp="1"/>
@@ -13002,7 +13992,7 @@
         </p:nvSpPr>
         <p:spPr>
           <a:xfrm>
-            <a:off x="384048" y="1040642"/>
+            <a:off x="169926" y="650842"/>
             <a:ext cx="8385048" cy="3319272"/>
           </a:xfrm>
         </p:spPr>
@@ -13010,10 +14000,7 @@
           <a:bodyPr/>
           <a:lstStyle/>
           <a:p>
-            <a:r>
-              <a:rPr lang="en-US" dirty="0"/>
-              <a:t>Architecture Diagram if any can be attached here</a:t>
-            </a:r>
+            <a:endParaRPr lang="en-US" dirty="0"/>
           </a:p>
           <a:p>
             <a:endParaRPr lang="en-US" dirty="0"/>
@@ -13096,6 +14083,548 @@
           </a:p>
         </p:txBody>
       </p:sp>
+      <p:sp>
+        <p:nvSpPr>
+          <p:cNvPr id="4" name="Text Box 1">
+            <a:extLst>
+              <a:ext uri="{FF2B5EF4-FFF2-40B4-BE49-F238E27FC236}">
+                <a16:creationId xmlns:a16="http://schemas.microsoft.com/office/drawing/2014/main" id="{F9E3C170-55B9-4A7D-80F6-0185CFCB9065}"/>
+              </a:ext>
+            </a:extLst>
+          </p:cNvPr>
+          <p:cNvSpPr txBox="1">
+            <a:spLocks noChangeArrowheads="1"/>
+          </p:cNvSpPr>
+          <p:nvPr/>
+        </p:nvSpPr>
+        <p:spPr bwMode="auto">
+          <a:xfrm>
+            <a:off x="3016250" y="774700"/>
+            <a:ext cx="2393950" cy="590550"/>
+          </a:xfrm>
+          <a:prstGeom prst="rect">
+            <a:avLst/>
+          </a:prstGeom>
+          <a:solidFill>
+            <a:srgbClr val="FFFFFF"/>
+          </a:solidFill>
+          <a:ln w="6350">
+            <a:solidFill>
+              <a:srgbClr val="000000"/>
+            </a:solidFill>
+            <a:miter lim="800000"/>
+            <a:headEnd/>
+            <a:tailEnd/>
+          </a:ln>
+        </p:spPr>
+        <p:txBody>
+          <a:bodyPr vert="horz" wrap="square" lIns="91440" tIns="45720" rIns="91440" bIns="45720" numCol="1" anchor="ctr" anchorCtr="0" compatLnSpc="1">
+            <a:prstTxWarp prst="textNoShape">
+              <a:avLst/>
+            </a:prstTxWarp>
+          </a:bodyPr>
+          <a:lstStyle/>
+          <a:p>
+            <a:pPr marL="0" marR="0" lvl="0" indent="0" algn="ctr" defTabSz="914400" rtl="0" eaLnBrk="0" fontAlgn="base" latinLnBrk="0" hangingPunct="0">
+              <a:lnSpc>
+                <a:spcPct val="100000"/>
+              </a:lnSpc>
+              <a:spcBef>
+                <a:spcPct val="0"/>
+              </a:spcBef>
+              <a:spcAft>
+                <a:spcPct val="0"/>
+              </a:spcAft>
+              <a:buClrTx/>
+              <a:buSzTx/>
+              <a:buFontTx/>
+              <a:buNone/>
+              <a:tabLst/>
+            </a:pPr>
+            <a:r>
+              <a:rPr kumimoji="0" lang="en-US" altLang="en-US" sz="3600" b="0" i="0" u="none" strike="noStrike" cap="none" normalizeH="0" baseline="0">
+                <a:ln>
+                  <a:noFill/>
+                </a:ln>
+                <a:solidFill>
+                  <a:srgbClr val="FF0000"/>
+                </a:solidFill>
+                <a:effectLst/>
+                <a:latin typeface="Calibri" panose="020F0502020204030204" pitchFamily="34" charset="0"/>
+                <a:ea typeface="Calibri" panose="020F0502020204030204" pitchFamily="34" charset="0"/>
+                <a:cs typeface="Times New Roman" panose="02020603050405020304" pitchFamily="18" charset="0"/>
+              </a:rPr>
+              <a:t>User</a:t>
+            </a:r>
+            <a:endParaRPr kumimoji="0" lang="en-US" altLang="en-US" sz="1800" b="0" i="0" u="none" strike="noStrike" cap="none" normalizeH="0" baseline="0">
+              <a:ln>
+                <a:noFill/>
+              </a:ln>
+              <a:solidFill>
+                <a:schemeClr val="tx1"/>
+              </a:solidFill>
+              <a:effectLst/>
+              <a:latin typeface="Arial" panose="020B0604020202020204" pitchFamily="34" charset="0"/>
+            </a:endParaRPr>
+          </a:p>
+        </p:txBody>
+      </p:sp>
+      <p:sp>
+        <p:nvSpPr>
+          <p:cNvPr id="6" name="Text Box 2">
+            <a:extLst>
+              <a:ext uri="{FF2B5EF4-FFF2-40B4-BE49-F238E27FC236}">
+                <a16:creationId xmlns:a16="http://schemas.microsoft.com/office/drawing/2014/main" id="{A32ECEAA-EDFD-456B-ABA5-2173C6555142}"/>
+              </a:ext>
+            </a:extLst>
+          </p:cNvPr>
+          <p:cNvSpPr txBox="1">
+            <a:spLocks noChangeArrowheads="1"/>
+          </p:cNvSpPr>
+          <p:nvPr/>
+        </p:nvSpPr>
+        <p:spPr bwMode="auto">
+          <a:xfrm>
+            <a:off x="1009650" y="2254250"/>
+            <a:ext cx="1200150" cy="476250"/>
+          </a:xfrm>
+          <a:prstGeom prst="rect">
+            <a:avLst/>
+          </a:prstGeom>
+          <a:solidFill>
+            <a:srgbClr val="FFFFFF"/>
+          </a:solidFill>
+          <a:ln w="6350">
+            <a:solidFill>
+              <a:srgbClr val="000000"/>
+            </a:solidFill>
+            <a:miter lim="800000"/>
+            <a:headEnd/>
+            <a:tailEnd/>
+          </a:ln>
+        </p:spPr>
+        <p:txBody>
+          <a:bodyPr vert="horz" wrap="square" lIns="91440" tIns="45720" rIns="91440" bIns="45720" numCol="1" anchor="t" anchorCtr="0" compatLnSpc="1">
+            <a:prstTxWarp prst="textNoShape">
+              <a:avLst/>
+            </a:prstTxWarp>
+          </a:bodyPr>
+          <a:lstStyle/>
+          <a:p>
+            <a:pPr marL="0" marR="0" lvl="0" indent="0" algn="l" defTabSz="914400" rtl="0" eaLnBrk="0" fontAlgn="base" latinLnBrk="0" hangingPunct="0">
+              <a:lnSpc>
+                <a:spcPct val="100000"/>
+              </a:lnSpc>
+              <a:spcBef>
+                <a:spcPct val="0"/>
+              </a:spcBef>
+              <a:spcAft>
+                <a:spcPct val="0"/>
+              </a:spcAft>
+              <a:buClrTx/>
+              <a:buSzTx/>
+              <a:buFontTx/>
+              <a:buNone/>
+              <a:tabLst/>
+            </a:pPr>
+            <a:r>
+              <a:rPr kumimoji="0" lang="en-US" altLang="en-US" sz="1600" b="0" i="0" u="none" strike="noStrike" cap="none" normalizeH="0" baseline="0" dirty="0">
+                <a:ln>
+                  <a:noFill/>
+                </a:ln>
+                <a:solidFill>
+                  <a:schemeClr val="tx1"/>
+                </a:solidFill>
+                <a:effectLst/>
+                <a:latin typeface="Calibri" panose="020F0502020204030204" pitchFamily="34" charset="0"/>
+                <a:ea typeface="Calibri" panose="020F0502020204030204" pitchFamily="34" charset="0"/>
+                <a:cs typeface="Times New Roman" panose="02020603050405020304" pitchFamily="18" charset="0"/>
+              </a:rPr>
+              <a:t>Registration</a:t>
+            </a:r>
+            <a:endParaRPr kumimoji="0" lang="en-US" altLang="en-US" sz="1800" b="0" i="0" u="none" strike="noStrike" cap="none" normalizeH="0" baseline="0" dirty="0">
+              <a:ln>
+                <a:noFill/>
+              </a:ln>
+              <a:solidFill>
+                <a:schemeClr val="tx1"/>
+              </a:solidFill>
+              <a:effectLst/>
+              <a:latin typeface="Arial" panose="020B0604020202020204" pitchFamily="34" charset="0"/>
+            </a:endParaRPr>
+          </a:p>
+        </p:txBody>
+      </p:sp>
+      <p:sp>
+        <p:nvSpPr>
+          <p:cNvPr id="7" name="Text Box 3">
+            <a:extLst>
+              <a:ext uri="{FF2B5EF4-FFF2-40B4-BE49-F238E27FC236}">
+                <a16:creationId xmlns:a16="http://schemas.microsoft.com/office/drawing/2014/main" id="{1363E756-F2D2-44CE-B178-5F1055AE8FE1}"/>
+              </a:ext>
+            </a:extLst>
+          </p:cNvPr>
+          <p:cNvSpPr txBox="1">
+            <a:spLocks noChangeArrowheads="1"/>
+          </p:cNvSpPr>
+          <p:nvPr/>
+        </p:nvSpPr>
+        <p:spPr bwMode="auto">
+          <a:xfrm>
+            <a:off x="5742749" y="2254250"/>
+            <a:ext cx="1320800" cy="476250"/>
+          </a:xfrm>
+          <a:prstGeom prst="rect">
+            <a:avLst/>
+          </a:prstGeom>
+          <a:solidFill>
+            <a:srgbClr val="FFFFFF"/>
+          </a:solidFill>
+          <a:ln w="6350">
+            <a:solidFill>
+              <a:srgbClr val="000000"/>
+            </a:solidFill>
+            <a:miter lim="800000"/>
+            <a:headEnd/>
+            <a:tailEnd/>
+          </a:ln>
+        </p:spPr>
+        <p:txBody>
+          <a:bodyPr vert="horz" wrap="square" lIns="91440" tIns="45720" rIns="91440" bIns="45720" numCol="1" anchor="t" anchorCtr="0" compatLnSpc="1">
+            <a:prstTxWarp prst="textNoShape">
+              <a:avLst/>
+            </a:prstTxWarp>
+          </a:bodyPr>
+          <a:lstStyle/>
+          <a:p>
+            <a:pPr marL="0" marR="0" lvl="0" indent="0" algn="ctr" defTabSz="914400" rtl="0" eaLnBrk="0" fontAlgn="base" latinLnBrk="0" hangingPunct="0">
+              <a:lnSpc>
+                <a:spcPct val="100000"/>
+              </a:lnSpc>
+              <a:spcBef>
+                <a:spcPct val="0"/>
+              </a:spcBef>
+              <a:spcAft>
+                <a:spcPct val="0"/>
+              </a:spcAft>
+              <a:buClrTx/>
+              <a:buSzTx/>
+              <a:buFontTx/>
+              <a:buNone/>
+              <a:tabLst/>
+            </a:pPr>
+            <a:r>
+              <a:rPr kumimoji="0" lang="en-US" altLang="en-US" sz="1400" b="0" i="0" u="none" strike="noStrike" cap="none" normalizeH="0" baseline="0" dirty="0">
+                <a:ln>
+                  <a:noFill/>
+                </a:ln>
+                <a:solidFill>
+                  <a:schemeClr val="tx1"/>
+                </a:solidFill>
+                <a:effectLst/>
+                <a:latin typeface="Calibri" panose="020F0502020204030204" pitchFamily="34" charset="0"/>
+                <a:ea typeface="Calibri" panose="020F0502020204030204" pitchFamily="34" charset="0"/>
+                <a:cs typeface="Times New Roman" panose="02020603050405020304" pitchFamily="18" charset="0"/>
+              </a:rPr>
+              <a:t>Scheduling Appointment</a:t>
+            </a:r>
+            <a:endParaRPr kumimoji="0" lang="en-US" altLang="en-US" sz="1800" b="0" i="0" u="none" strike="noStrike" cap="none" normalizeH="0" baseline="0" dirty="0">
+              <a:ln>
+                <a:noFill/>
+              </a:ln>
+              <a:solidFill>
+                <a:schemeClr val="tx1"/>
+              </a:solidFill>
+              <a:effectLst/>
+              <a:latin typeface="Arial" panose="020B0604020202020204" pitchFamily="34" charset="0"/>
+            </a:endParaRPr>
+          </a:p>
+        </p:txBody>
+      </p:sp>
+      <p:sp>
+        <p:nvSpPr>
+          <p:cNvPr id="8" name="Text Box 4">
+            <a:extLst>
+              <a:ext uri="{FF2B5EF4-FFF2-40B4-BE49-F238E27FC236}">
+                <a16:creationId xmlns:a16="http://schemas.microsoft.com/office/drawing/2014/main" id="{4D99CC07-81A2-4D66-984B-2772D39D7B0F}"/>
+              </a:ext>
+            </a:extLst>
+          </p:cNvPr>
+          <p:cNvSpPr txBox="1">
+            <a:spLocks noChangeArrowheads="1"/>
+          </p:cNvSpPr>
+          <p:nvPr/>
+        </p:nvSpPr>
+        <p:spPr bwMode="auto">
+          <a:xfrm>
+            <a:off x="3533775" y="2254250"/>
+            <a:ext cx="1358900" cy="476250"/>
+          </a:xfrm>
+          <a:prstGeom prst="rect">
+            <a:avLst/>
+          </a:prstGeom>
+          <a:solidFill>
+            <a:srgbClr val="FFFFFF"/>
+          </a:solidFill>
+          <a:ln w="6350">
+            <a:solidFill>
+              <a:srgbClr val="000000"/>
+            </a:solidFill>
+            <a:miter lim="800000"/>
+            <a:headEnd/>
+            <a:tailEnd/>
+          </a:ln>
+        </p:spPr>
+        <p:txBody>
+          <a:bodyPr vert="horz" wrap="square" lIns="91440" tIns="45720" rIns="91440" bIns="45720" numCol="1" anchor="t" anchorCtr="0" compatLnSpc="1">
+            <a:prstTxWarp prst="textNoShape">
+              <a:avLst/>
+            </a:prstTxWarp>
+          </a:bodyPr>
+          <a:lstStyle/>
+          <a:p>
+            <a:pPr marL="0" marR="0" lvl="0" indent="0" algn="ctr" defTabSz="914400" rtl="0" eaLnBrk="0" fontAlgn="base" latinLnBrk="0" hangingPunct="0">
+              <a:lnSpc>
+                <a:spcPct val="100000"/>
+              </a:lnSpc>
+              <a:spcBef>
+                <a:spcPct val="0"/>
+              </a:spcBef>
+              <a:spcAft>
+                <a:spcPct val="0"/>
+              </a:spcAft>
+              <a:buClrTx/>
+              <a:buSzTx/>
+              <a:buFontTx/>
+              <a:buNone/>
+              <a:tabLst/>
+            </a:pPr>
+            <a:r>
+              <a:rPr kumimoji="0" lang="en-US" altLang="en-US" sz="1400" b="0" i="0" u="none" strike="noStrike" cap="none" normalizeH="0" baseline="0" dirty="0">
+                <a:ln>
+                  <a:noFill/>
+                </a:ln>
+                <a:solidFill>
+                  <a:schemeClr val="tx1"/>
+                </a:solidFill>
+                <a:effectLst/>
+                <a:latin typeface="Calibri" panose="020F0502020204030204" pitchFamily="34" charset="0"/>
+                <a:ea typeface="Calibri" panose="020F0502020204030204" pitchFamily="34" charset="0"/>
+                <a:cs typeface="Times New Roman" panose="02020603050405020304" pitchFamily="18" charset="0"/>
+              </a:rPr>
+              <a:t>Login</a:t>
+            </a:r>
+            <a:endParaRPr kumimoji="0" lang="en-US" altLang="en-US" sz="1800" b="0" i="0" u="none" strike="noStrike" cap="none" normalizeH="0" baseline="0" dirty="0">
+              <a:ln>
+                <a:noFill/>
+              </a:ln>
+              <a:solidFill>
+                <a:schemeClr val="tx1"/>
+              </a:solidFill>
+              <a:effectLst/>
+              <a:latin typeface="Arial" panose="020B0604020202020204" pitchFamily="34" charset="0"/>
+            </a:endParaRPr>
+          </a:p>
+        </p:txBody>
+      </p:sp>
+      <p:sp>
+        <p:nvSpPr>
+          <p:cNvPr id="9" name="Rectangle 5">
+            <a:extLst>
+              <a:ext uri="{FF2B5EF4-FFF2-40B4-BE49-F238E27FC236}">
+                <a16:creationId xmlns:a16="http://schemas.microsoft.com/office/drawing/2014/main" id="{1E0C1241-A61D-48A4-A908-AE674905E2D5}"/>
+              </a:ext>
+            </a:extLst>
+          </p:cNvPr>
+          <p:cNvSpPr>
+            <a:spLocks noChangeArrowheads="1"/>
+          </p:cNvSpPr>
+          <p:nvPr/>
+        </p:nvSpPr>
+        <p:spPr bwMode="auto">
+          <a:xfrm>
+            <a:off x="1403350" y="317500"/>
+            <a:ext cx="9144000" cy="457200"/>
+          </a:xfrm>
+          <a:prstGeom prst="rect">
+            <a:avLst/>
+          </a:prstGeom>
+          <a:noFill/>
+          <a:ln>
+            <a:noFill/>
+          </a:ln>
+          <a:effectLst/>
+          <a:extLst>
+            <a:ext uri="{909E8E84-426E-40DD-AFC4-6F175D3DCCD1}">
+              <a14:hiddenFill xmlns:a14="http://schemas.microsoft.com/office/drawing/2010/main">
+                <a:solidFill>
+                  <a:schemeClr val="accent1"/>
+                </a:solidFill>
+              </a14:hiddenFill>
+            </a:ext>
+            <a:ext uri="{91240B29-F687-4F45-9708-019B960494DF}">
+              <a14:hiddenLine xmlns:a14="http://schemas.microsoft.com/office/drawing/2010/main" w="9525">
+                <a:solidFill>
+                  <a:schemeClr val="tx1"/>
+                </a:solidFill>
+                <a:miter lim="800000"/>
+                <a:headEnd/>
+                <a:tailEnd/>
+              </a14:hiddenLine>
+            </a:ext>
+            <a:ext uri="{AF507438-7753-43E0-B8FC-AC1667EBCBE1}">
+              <a14:hiddenEffects xmlns:a14="http://schemas.microsoft.com/office/drawing/2010/main">
+                <a:effectLst>
+                  <a:outerShdw dist="35921" dir="2700000" algn="ctr" rotWithShape="0">
+                    <a:schemeClr val="bg2"/>
+                  </a:outerShdw>
+                </a:effectLst>
+              </a14:hiddenEffects>
+            </a:ext>
+          </a:extLst>
+        </p:spPr>
+        <p:txBody>
+          <a:bodyPr vert="horz" wrap="none" lIns="91440" tIns="45720" rIns="91440" bIns="45720" numCol="1" anchor="ctr" anchorCtr="0" compatLnSpc="1">
+            <a:prstTxWarp prst="textNoShape">
+              <a:avLst/>
+            </a:prstTxWarp>
+            <a:spAutoFit/>
+          </a:bodyPr>
+          <a:lstStyle/>
+          <a:p>
+            <a:endParaRPr lang="en-US"/>
+          </a:p>
+        </p:txBody>
+      </p:sp>
+      <p:cxnSp>
+        <p:nvCxnSpPr>
+          <p:cNvPr id="13" name="Straight Arrow Connector 12">
+            <a:extLst>
+              <a:ext uri="{FF2B5EF4-FFF2-40B4-BE49-F238E27FC236}">
+                <a16:creationId xmlns:a16="http://schemas.microsoft.com/office/drawing/2014/main" id="{1A7221B2-B7E0-4D0C-9F5A-44404B23BD46}"/>
+              </a:ext>
+            </a:extLst>
+          </p:cNvPr>
+          <p:cNvCxnSpPr>
+            <a:cxnSpLocks/>
+            <a:stCxn id="4" idx="2"/>
+            <a:endCxn id="8" idx="0"/>
+          </p:cNvCxnSpPr>
+          <p:nvPr/>
+        </p:nvCxnSpPr>
+        <p:spPr>
+          <a:xfrm>
+            <a:off x="4213225" y="1365250"/>
+            <a:ext cx="0" cy="889000"/>
+          </a:xfrm>
+          <a:prstGeom prst="straightConnector1">
+            <a:avLst/>
+          </a:prstGeom>
+          <a:ln>
+            <a:tailEnd type="triangle"/>
+          </a:ln>
+        </p:spPr>
+        <p:style>
+          <a:lnRef idx="1">
+            <a:schemeClr val="accent1"/>
+          </a:lnRef>
+          <a:fillRef idx="0">
+            <a:schemeClr val="accent1"/>
+          </a:fillRef>
+          <a:effectRef idx="0">
+            <a:schemeClr val="accent1"/>
+          </a:effectRef>
+          <a:fontRef idx="minor">
+            <a:schemeClr val="tx1"/>
+          </a:fontRef>
+        </p:style>
+      </p:cxnSp>
+      <p:cxnSp>
+        <p:nvCxnSpPr>
+          <p:cNvPr id="18" name="Straight Arrow Connector 17">
+            <a:extLst>
+              <a:ext uri="{FF2B5EF4-FFF2-40B4-BE49-F238E27FC236}">
+                <a16:creationId xmlns:a16="http://schemas.microsoft.com/office/drawing/2014/main" id="{5CBB072B-C8C9-459A-8656-8DC543685F0D}"/>
+              </a:ext>
+            </a:extLst>
+          </p:cNvPr>
+          <p:cNvCxnSpPr>
+            <a:cxnSpLocks/>
+            <a:stCxn id="4" idx="2"/>
+            <a:endCxn id="7" idx="0"/>
+          </p:cNvCxnSpPr>
+          <p:nvPr/>
+        </p:nvCxnSpPr>
+        <p:spPr>
+          <a:xfrm>
+            <a:off x="4213225" y="1365250"/>
+            <a:ext cx="2189924" cy="889000"/>
+          </a:xfrm>
+          <a:prstGeom prst="straightConnector1">
+            <a:avLst/>
+          </a:prstGeom>
+          <a:ln>
+            <a:tailEnd type="triangle"/>
+          </a:ln>
+        </p:spPr>
+        <p:style>
+          <a:lnRef idx="1">
+            <a:schemeClr val="accent1"/>
+          </a:lnRef>
+          <a:fillRef idx="0">
+            <a:schemeClr val="accent1"/>
+          </a:fillRef>
+          <a:effectRef idx="0">
+            <a:schemeClr val="accent1"/>
+          </a:effectRef>
+          <a:fontRef idx="minor">
+            <a:schemeClr val="tx1"/>
+          </a:fontRef>
+        </p:style>
+      </p:cxnSp>
+      <p:cxnSp>
+        <p:nvCxnSpPr>
+          <p:cNvPr id="29" name="Straight Arrow Connector 28">
+            <a:extLst>
+              <a:ext uri="{FF2B5EF4-FFF2-40B4-BE49-F238E27FC236}">
+                <a16:creationId xmlns:a16="http://schemas.microsoft.com/office/drawing/2014/main" id="{5A42FCA5-8C71-4AFE-BDB0-15BD368E56F0}"/>
+              </a:ext>
+            </a:extLst>
+          </p:cNvPr>
+          <p:cNvCxnSpPr>
+            <a:cxnSpLocks/>
+            <a:stCxn id="4" idx="2"/>
+            <a:endCxn id="6" idx="0"/>
+          </p:cNvCxnSpPr>
+          <p:nvPr/>
+        </p:nvCxnSpPr>
+        <p:spPr>
+          <a:xfrm flipH="1">
+            <a:off x="1609725" y="1365250"/>
+            <a:ext cx="2603500" cy="889000"/>
+          </a:xfrm>
+          <a:prstGeom prst="straightConnector1">
+            <a:avLst/>
+          </a:prstGeom>
+          <a:ln>
+            <a:tailEnd type="triangle"/>
+          </a:ln>
+        </p:spPr>
+        <p:style>
+          <a:lnRef idx="1">
+            <a:schemeClr val="accent1"/>
+          </a:lnRef>
+          <a:fillRef idx="0">
+            <a:schemeClr val="accent1"/>
+          </a:fillRef>
+          <a:effectRef idx="0">
+            <a:schemeClr val="accent1"/>
+          </a:effectRef>
+          <a:fontRef idx="minor">
+            <a:schemeClr val="tx1"/>
+          </a:fontRef>
+        </p:style>
+      </p:cxnSp>
     </p:spTree>
     <p:extLst>
       <p:ext uri="{BB962C8B-B14F-4D97-AF65-F5344CB8AC3E}">
@@ -13680,21 +15209,11 @@
 </file>
 
 <file path=customXml/item1.xml><?xml version="1.0" encoding="utf-8"?>
-<p:properties xmlns:p="http://schemas.microsoft.com/office/2006/metadata/properties" xmlns:xsi="http://www.w3.org/2001/XMLSchema-instance" xmlns:pc="http://schemas.microsoft.com/office/infopath/2007/PartnerControls">
-  <documentManagement/>
-</p:properties>
+<?mso-contentType ?>
+<SharedContentType xmlns="Microsoft.SharePoint.Taxonomy.ContentTypeSync" SourceId="cbc9373e-2d0f-4f82-b972-fcd84205de33" ContentTypeId="0x0101" PreviousValue="false"/>
 </file>
 
 <file path=customXml/item2.xml><?xml version="1.0" encoding="utf-8"?>
-<?mso-contentType ?>
-<FormTemplates xmlns="http://schemas.microsoft.com/sharepoint/v3/contenttype/forms">
-  <Display>DocumentLibraryForm</Display>
-  <Edit>DocumentLibraryForm</Edit>
-  <New>DocumentLibraryForm</New>
-</FormTemplates>
-</file>
-
-<file path=customXml/item3.xml><?xml version="1.0" encoding="utf-8"?>
 <ct:contentTypeSchema xmlns:ct="http://schemas.microsoft.com/office/2006/metadata/contentType" xmlns:ma="http://schemas.microsoft.com/office/2006/metadata/properties/metaAttributes" ct:_="" ma:_="" ma:contentTypeName="Document" ma:contentTypeID="0x0101002C3FD29F682DE045BA20A677D8213644" ma:contentTypeVersion="8" ma:contentTypeDescription="Create a new document." ma:contentTypeScope="" ma:versionID="ab4dcff50ec652a300e80aba38064090">
   <xsd:schema xmlns:xsd="http://www.w3.org/2001/XMLSchema" xmlns:xs="http://www.w3.org/2001/XMLSchema" xmlns:p="http://schemas.microsoft.com/office/2006/metadata/properties" xmlns:ns2="ea7cd4d9-2e4d-4065-990e-397b31d061c0" targetNamespace="http://schemas.microsoft.com/office/2006/metadata/properties" ma:root="true" ma:fieldsID="5e90837e32b90bb9a9836d9edfb6c621" ns2:_="">
     <xsd:import namespace="ea7cd4d9-2e4d-4065-990e-397b31d061c0"/>
@@ -13826,38 +15345,30 @@
 </ct:contentTypeSchema>
 </file>
 
+<file path=customXml/item3.xml><?xml version="1.0" encoding="utf-8"?>
+<?mso-contentType ?>
+<FormTemplates xmlns="http://schemas.microsoft.com/sharepoint/v3/contenttype/forms">
+  <Display>DocumentLibraryForm</Display>
+  <Edit>DocumentLibraryForm</Edit>
+  <New>DocumentLibraryForm</New>
+</FormTemplates>
+</file>
+
 <file path=customXml/item4.xml><?xml version="1.0" encoding="utf-8"?>
-<?mso-contentType ?>
-<SharedContentType xmlns="Microsoft.SharePoint.Taxonomy.ContentTypeSync" SourceId="cbc9373e-2d0f-4f82-b972-fcd84205de33" ContentTypeId="0x0101" PreviousValue="false"/>
+<p:properties xmlns:p="http://schemas.microsoft.com/office/2006/metadata/properties" xmlns:xsi="http://www.w3.org/2001/XMLSchema-instance" xmlns:pc="http://schemas.microsoft.com/office/infopath/2007/PartnerControls">
+  <documentManagement/>
+</p:properties>
 </file>
 
 <file path=customXml/itemProps1.xml><?xml version="1.0" encoding="utf-8"?>
-<ds:datastoreItem xmlns:ds="http://schemas.openxmlformats.org/officeDocument/2006/customXml" ds:itemID="{41BA4A43-4DEB-41B1-8214-1B44DCEFF617}">
+<ds:datastoreItem xmlns:ds="http://schemas.openxmlformats.org/officeDocument/2006/customXml" ds:itemID="{3C0F52E7-1E94-4F9C-B3B7-043138C1A41C}">
   <ds:schemaRefs>
-    <ds:schemaRef ds:uri="http://www.w3.org/XML/1998/namespace"/>
-    <ds:schemaRef ds:uri="http://purl.org/dc/dcmitype/"/>
-    <ds:schemaRef ds:uri="http://purl.org/dc/terms/"/>
-    <ds:schemaRef ds:uri="http://purl.org/dc/elements/1.1/"/>
-    <ds:schemaRef ds:uri="http://schemas.microsoft.com/sharepoint/v3"/>
-    <ds:schemaRef ds:uri="http://schemas.openxmlformats.org/package/2006/metadata/core-properties"/>
-    <ds:schemaRef ds:uri="http://schemas.microsoft.com/office/2006/documentManagement/types"/>
-    <ds:schemaRef ds:uri="http://schemas.microsoft.com/office/2006/metadata/properties"/>
-    <ds:schemaRef ds:uri="http://schemas.microsoft.com/office/infopath/2007/PartnerControls"/>
-    <ds:schemaRef ds:uri="8eee6e3a-f15c-45a4-a98e-64b2de71ed30"/>
-    <ds:schemaRef ds:uri="3a98b63c-e4b6-4949-b066-c7278696d2a3"/>
+    <ds:schemaRef ds:uri="Microsoft.SharePoint.Taxonomy.ContentTypeSync"/>
   </ds:schemaRefs>
 </ds:datastoreItem>
 </file>
 
 <file path=customXml/itemProps2.xml><?xml version="1.0" encoding="utf-8"?>
-<ds:datastoreItem xmlns:ds="http://schemas.openxmlformats.org/officeDocument/2006/customXml" ds:itemID="{6033C16D-F868-43FF-9A83-5B254BF351FB}">
-  <ds:schemaRefs>
-    <ds:schemaRef ds:uri="http://schemas.microsoft.com/sharepoint/v3/contenttype/forms"/>
-  </ds:schemaRefs>
-</ds:datastoreItem>
-</file>
-
-<file path=customXml/itemProps3.xml><?xml version="1.0" encoding="utf-8"?>
 <ds:datastoreItem xmlns:ds="http://schemas.openxmlformats.org/officeDocument/2006/customXml" ds:itemID="{FCCFC18D-095F-4ABC-9F96-30618017BC46}">
   <ds:schemaRefs>
     <ds:schemaRef ds:uri="http://schemas.microsoft.com/office/2006/metadata/contentType"/>
@@ -13875,10 +15386,28 @@
 </ds:datastoreItem>
 </file>
 
+<file path=customXml/itemProps3.xml><?xml version="1.0" encoding="utf-8"?>
+<ds:datastoreItem xmlns:ds="http://schemas.openxmlformats.org/officeDocument/2006/customXml" ds:itemID="{6033C16D-F868-43FF-9A83-5B254BF351FB}">
+  <ds:schemaRefs>
+    <ds:schemaRef ds:uri="http://schemas.microsoft.com/sharepoint/v3/contenttype/forms"/>
+  </ds:schemaRefs>
+</ds:datastoreItem>
+</file>
+
 <file path=customXml/itemProps4.xml><?xml version="1.0" encoding="utf-8"?>
-<ds:datastoreItem xmlns:ds="http://schemas.openxmlformats.org/officeDocument/2006/customXml" ds:itemID="{3C0F52E7-1E94-4F9C-B3B7-043138C1A41C}">
+<ds:datastoreItem xmlns:ds="http://schemas.openxmlformats.org/officeDocument/2006/customXml" ds:itemID="{41BA4A43-4DEB-41B1-8214-1B44DCEFF617}">
   <ds:schemaRefs>
-    <ds:schemaRef ds:uri="Microsoft.SharePoint.Taxonomy.ContentTypeSync"/>
+    <ds:schemaRef ds:uri="http://www.w3.org/XML/1998/namespace"/>
+    <ds:schemaRef ds:uri="http://purl.org/dc/dcmitype/"/>
+    <ds:schemaRef ds:uri="http://purl.org/dc/terms/"/>
+    <ds:schemaRef ds:uri="http://purl.org/dc/elements/1.1/"/>
+    <ds:schemaRef ds:uri="http://schemas.microsoft.com/sharepoint/v3"/>
+    <ds:schemaRef ds:uri="http://schemas.openxmlformats.org/package/2006/metadata/core-properties"/>
+    <ds:schemaRef ds:uri="http://schemas.microsoft.com/office/2006/documentManagement/types"/>
+    <ds:schemaRef ds:uri="http://schemas.microsoft.com/office/2006/metadata/properties"/>
+    <ds:schemaRef ds:uri="http://schemas.microsoft.com/office/infopath/2007/PartnerControls"/>
+    <ds:schemaRef ds:uri="8eee6e3a-f15c-45a4-a98e-64b2de71ed30"/>
+    <ds:schemaRef ds:uri="3a98b63c-e4b6-4949-b066-c7278696d2a3"/>
   </ds:schemaRefs>
 </ds:datastoreItem>
 </file>
--- a/Hackathon_Template_Arun Teja.pptx
+++ b/Hackathon_Template_Arun Teja.pptx
@@ -201,7 +201,7 @@
           <a:p>
             <a:fld id="{7B2C62CA-9421-4E9E-AF14-1FB663DBCBA3}" type="datetimeFigureOut">
               <a:rPr lang="en-US" smtClean="0"/>
-              <a:t>5/14/2021</a:t>
+              <a:t>5/19/2021</a:t>
             </a:fld>
             <a:endParaRPr lang="en-US"/>
           </a:p>
@@ -1434,7 +1434,7 @@
           <a:p>
             <a:fld id="{9CA01702-DD2A-4EA7-BF63-C4256CBF2674}" type="datetime1">
               <a:rPr lang="en-US" smtClean="0"/>
-              <a:t>5/14/2021</a:t>
+              <a:t>5/19/2021</a:t>
             </a:fld>
             <a:endParaRPr lang="en-US"/>
           </a:p>
@@ -1898,7 +1898,7 @@
           <a:p>
             <a:fld id="{1FE092F7-7241-4999-BD43-217EB3E0EA71}" type="datetime1">
               <a:rPr lang="en-US" smtClean="0"/>
-              <a:t>5/14/2021</a:t>
+              <a:t>5/19/2021</a:t>
             </a:fld>
             <a:endParaRPr lang="en-US"/>
           </a:p>
@@ -2299,7 +2299,7 @@
           <a:p>
             <a:fld id="{0822DEC1-6FF0-4499-A8CE-3CDA0D36F6B6}" type="datetime1">
               <a:rPr lang="en-US" smtClean="0"/>
-              <a:t>5/14/2021</a:t>
+              <a:t>5/19/2021</a:t>
             </a:fld>
             <a:endParaRPr lang="en-US"/>
           </a:p>
@@ -2768,7 +2768,7 @@
           <a:p>
             <a:fld id="{3CA0D403-53DC-4230-809B-588FC47C2AE9}" type="datetime1">
               <a:rPr lang="en-US" smtClean="0"/>
-              <a:t>5/14/2021</a:t>
+              <a:t>5/19/2021</a:t>
             </a:fld>
             <a:endParaRPr lang="en-US"/>
           </a:p>
@@ -3272,7 +3272,7 @@
           <a:p>
             <a:fld id="{C9CB7C87-9C98-4E4B-B0BF-56FCDDAD09F0}" type="datetime1">
               <a:rPr lang="en-US" smtClean="0"/>
-              <a:t>5/14/2021</a:t>
+              <a:t>5/19/2021</a:t>
             </a:fld>
             <a:endParaRPr lang="en-US"/>
           </a:p>
@@ -3676,7 +3676,7 @@
           <a:p>
             <a:fld id="{4E1C924E-9FF9-4A6E-A345-35D21EDFA0BE}" type="datetime1">
               <a:rPr lang="en-US" smtClean="0"/>
-              <a:t>5/14/2021</a:t>
+              <a:t>5/19/2021</a:t>
             </a:fld>
             <a:endParaRPr lang="en-US"/>
           </a:p>
@@ -4128,7 +4128,7 @@
           <a:p>
             <a:fld id="{EAC2F691-4CF9-4182-9EB3-3AD8437B331B}" type="datetime1">
               <a:rPr lang="en-US" smtClean="0"/>
-              <a:t>5/14/2021</a:t>
+              <a:t>5/19/2021</a:t>
             </a:fld>
             <a:endParaRPr lang="en-US"/>
           </a:p>
@@ -4605,7 +4605,7 @@
           <a:p>
             <a:fld id="{E01283B7-E2B5-4877-ACA3-63C29A0971AE}" type="datetime1">
               <a:rPr lang="en-US" smtClean="0"/>
-              <a:t>5/14/2021</a:t>
+              <a:t>5/19/2021</a:t>
             </a:fld>
             <a:endParaRPr lang="en-US"/>
           </a:p>
@@ -4896,7 +4896,7 @@
           <a:p>
             <a:fld id="{166915D8-E81B-4766-A5C5-327471A58B75}" type="datetime1">
               <a:rPr lang="en-US" smtClean="0"/>
-              <a:t>5/14/2021</a:t>
+              <a:t>5/19/2021</a:t>
             </a:fld>
             <a:endParaRPr lang="en-US"/>
           </a:p>
@@ -5249,7 +5249,7 @@
           <a:p>
             <a:fld id="{D10CB663-1004-4C01-AA19-F4856BB2F3A3}" type="datetime1">
               <a:rPr lang="en-US" smtClean="0"/>
-              <a:t>5/14/2021</a:t>
+              <a:t>5/19/2021</a:t>
             </a:fld>
             <a:endParaRPr lang="en-US"/>
           </a:p>
@@ -5589,7 +5589,7 @@
           <a:p>
             <a:fld id="{0A1C73EC-90EF-4B2E-A147-63B3EB3072FF}" type="datetime1">
               <a:rPr lang="en-US" smtClean="0"/>
-              <a:t>5/14/2021</a:t>
+              <a:t>5/19/2021</a:t>
             </a:fld>
             <a:endParaRPr lang="en-US"/>
           </a:p>
@@ -5941,7 +5941,7 @@
           <a:p>
             <a:fld id="{49CB85A3-22AC-4BAD-B711-1D38C2239C6B}" type="datetime1">
               <a:rPr lang="en-US" smtClean="0"/>
-              <a:t>5/14/2021</a:t>
+              <a:t>5/19/2021</a:t>
             </a:fld>
             <a:endParaRPr lang="en-US"/>
           </a:p>
@@ -6228,7 +6228,7 @@
           <a:p>
             <a:fld id="{EB4A4E7A-D58F-4741-AE0B-1A084E899F93}" type="datetime1">
               <a:rPr lang="en-US" smtClean="0"/>
-              <a:t>5/14/2021</a:t>
+              <a:t>5/19/2021</a:t>
             </a:fld>
             <a:endParaRPr lang="en-US"/>
           </a:p>
@@ -6549,7 +6549,7 @@
           <a:p>
             <a:fld id="{3AB6B008-01FF-4823-99E8-B1F012D592FB}" type="datetime1">
               <a:rPr lang="en-US" smtClean="0"/>
-              <a:t>5/14/2021</a:t>
+              <a:t>5/19/2021</a:t>
             </a:fld>
             <a:endParaRPr lang="en-US"/>
           </a:p>
@@ -6936,7 +6936,7 @@
           <a:p>
             <a:fld id="{431687B1-279C-4C7E-A3F2-72DE01905190}" type="datetime1">
               <a:rPr lang="en-US" smtClean="0"/>
-              <a:t>5/14/2021</a:t>
+              <a:t>5/19/2021</a:t>
             </a:fld>
             <a:endParaRPr lang="en-US"/>
           </a:p>
@@ -7323,7 +7323,7 @@
           <a:p>
             <a:fld id="{D025E030-BC92-4596-8300-BF26DF7E6EEF}" type="datetime1">
               <a:rPr lang="en-US" smtClean="0"/>
-              <a:t>5/14/2021</a:t>
+              <a:t>5/19/2021</a:t>
             </a:fld>
             <a:endParaRPr lang="en-US"/>
           </a:p>
@@ -8176,7 +8176,7 @@
           <a:p>
             <a:fld id="{22FBAD0E-8713-41F2-837D-77B2C5F20C2D}" type="datetime1">
               <a:rPr lang="en-US" smtClean="0"/>
-              <a:t>5/14/2021</a:t>
+              <a:t>5/19/2021</a:t>
             </a:fld>
             <a:endParaRPr lang="en-US"/>
           </a:p>
@@ -8645,7 +8645,7 @@
           <a:p>
             <a:fld id="{9015A057-DF27-4F57-9F20-93999E7C3CAD}" type="datetime1">
               <a:rPr lang="en-US" smtClean="0"/>
-              <a:t>5/14/2021</a:t>
+              <a:t>5/19/2021</a:t>
             </a:fld>
             <a:endParaRPr lang="en-US"/>
           </a:p>
@@ -9051,7 +9051,7 @@
           <a:p>
             <a:fld id="{E33EBFD5-024E-4D15-B2CD-A57BA6B62818}" type="datetime1">
               <a:rPr lang="en-US" smtClean="0"/>
-              <a:t>5/14/2021</a:t>
+              <a:t>5/19/2021</a:t>
             </a:fld>
             <a:endParaRPr lang="en-US"/>
           </a:p>
@@ -9458,7 +9458,7 @@
           <a:p>
             <a:fld id="{14827ACE-F503-4BD3-9562-837061E0E81C}" type="datetime1">
               <a:rPr lang="en-US" smtClean="0"/>
-              <a:t>5/14/2021</a:t>
+              <a:t>5/19/2021</a:t>
             </a:fld>
             <a:endParaRPr lang="en-US"/>
           </a:p>
@@ -9916,7 +9916,7 @@
           <a:p>
             <a:fld id="{6C7AC786-B599-4B2B-B4FB-F759EAC31A40}" type="datetime1">
               <a:rPr lang="en-US" smtClean="0"/>
-              <a:t>5/14/2021</a:t>
+              <a:t>5/19/2021</a:t>
             </a:fld>
             <a:endParaRPr lang="en-US"/>
           </a:p>
@@ -10379,7 +10379,7 @@
           <a:p>
             <a:fld id="{97780586-E689-4036-8263-852FD138039A}" type="datetime1">
               <a:rPr lang="en-US" smtClean="0"/>
-              <a:t>5/14/2021</a:t>
+              <a:t>5/19/2021</a:t>
             </a:fld>
             <a:endParaRPr lang="en-US"/>
           </a:p>
@@ -10842,7 +10842,7 @@
           <a:p>
             <a:fld id="{0FA69868-9561-4DAC-B150-2D4942753F1B}" type="datetime1">
               <a:rPr lang="en-US" smtClean="0"/>
-              <a:t>5/14/2021</a:t>
+              <a:t>5/19/2021</a:t>
             </a:fld>
             <a:endParaRPr lang="en-US"/>
           </a:p>
@@ -11217,7 +11217,7 @@
           <a:p>
             <a:fld id="{7B7266A3-FA29-4A4D-B1EA-16755D538746}" type="datetime1">
               <a:rPr lang="en-US" smtClean="0"/>
-              <a:t>5/14/2021</a:t>
+              <a:t>5/19/2021</a:t>
             </a:fld>
             <a:endParaRPr lang="en-US" dirty="0"/>
           </a:p>
@@ -11810,7 +11810,7 @@
         <p:spPr>
           <a:xfrm>
             <a:off x="435429" y="2757714"/>
-            <a:ext cx="4078514" cy="553998"/>
+            <a:ext cx="5529942" cy="830997"/>
           </a:xfrm>
           <a:prstGeom prst="rect">
             <a:avLst/>
@@ -11831,6 +11831,18 @@
                 </a:solidFill>
               </a:rPr>
               <a:t>Contributor Name: Arun Teja Bodapati</a:t>
+            </a:r>
+          </a:p>
+          <a:p>
+            <a:r>
+              <a:rPr lang="en-US" dirty="0">
+                <a:solidFill>
+                  <a:schemeClr val="accent3">
+                    <a:lumMod val="50000"/>
+                  </a:schemeClr>
+                </a:solidFill>
+              </a:rPr>
+              <a:t>System : Cognizant Desktop-Asset ID(LTIN270530)</a:t>
             </a:r>
           </a:p>
           <a:p>
@@ -13243,30 +13255,6 @@
               </a:rPr>
               <a:t>		         SQL, Spring MVC </a:t>
             </a:r>
-          </a:p>
-          <a:p>
-            <a:endParaRPr lang="en-US" sz="1100" i="1" kern="0" dirty="0">
-              <a:solidFill>
-                <a:sysClr val="windowText" lastClr="000000"/>
-              </a:solidFill>
-            </a:endParaRPr>
-          </a:p>
-          <a:p>
-            <a:r>
-              <a:rPr lang="en-US" sz="1100" i="1" kern="0" dirty="0">
-                <a:solidFill>
-                  <a:sysClr val="windowText" lastClr="000000"/>
-                </a:solidFill>
-              </a:rPr>
-              <a:t>Working Platform- Cognizant Laptop (Asset Id-LTIN270530)</a:t>
-            </a:r>
-          </a:p>
-          <a:p>
-            <a:endParaRPr lang="en-US" sz="1100" i="1" kern="0" dirty="0">
-              <a:solidFill>
-                <a:sysClr val="windowText" lastClr="000000"/>
-              </a:solidFill>
-            </a:endParaRPr>
           </a:p>
           <a:p>
             <a:r>
@@ -15209,11 +15197,21 @@
 </file>
 
 <file path=customXml/item1.xml><?xml version="1.0" encoding="utf-8"?>
-<?mso-contentType ?>
-<SharedContentType xmlns="Microsoft.SharePoint.Taxonomy.ContentTypeSync" SourceId="cbc9373e-2d0f-4f82-b972-fcd84205de33" ContentTypeId="0x0101" PreviousValue="false"/>
+<p:properties xmlns:p="http://schemas.microsoft.com/office/2006/metadata/properties" xmlns:xsi="http://www.w3.org/2001/XMLSchema-instance" xmlns:pc="http://schemas.microsoft.com/office/infopath/2007/PartnerControls">
+  <documentManagement/>
+</p:properties>
 </file>
 
 <file path=customXml/item2.xml><?xml version="1.0" encoding="utf-8"?>
+<?mso-contentType ?>
+<FormTemplates xmlns="http://schemas.microsoft.com/sharepoint/v3/contenttype/forms">
+  <Display>DocumentLibraryForm</Display>
+  <Edit>DocumentLibraryForm</Edit>
+  <New>DocumentLibraryForm</New>
+</FormTemplates>
+</file>
+
+<file path=customXml/item3.xml><?xml version="1.0" encoding="utf-8"?>
 <ct:contentTypeSchema xmlns:ct="http://schemas.microsoft.com/office/2006/metadata/contentType" xmlns:ma="http://schemas.microsoft.com/office/2006/metadata/properties/metaAttributes" ct:_="" ma:_="" ma:contentTypeName="Document" ma:contentTypeID="0x0101002C3FD29F682DE045BA20A677D8213644" ma:contentTypeVersion="8" ma:contentTypeDescription="Create a new document." ma:contentTypeScope="" ma:versionID="ab4dcff50ec652a300e80aba38064090">
   <xsd:schema xmlns:xsd="http://www.w3.org/2001/XMLSchema" xmlns:xs="http://www.w3.org/2001/XMLSchema" xmlns:p="http://schemas.microsoft.com/office/2006/metadata/properties" xmlns:ns2="ea7cd4d9-2e4d-4065-990e-397b31d061c0" targetNamespace="http://schemas.microsoft.com/office/2006/metadata/properties" ma:root="true" ma:fieldsID="5e90837e32b90bb9a9836d9edfb6c621" ns2:_="">
     <xsd:import namespace="ea7cd4d9-2e4d-4065-990e-397b31d061c0"/>
@@ -15345,30 +15343,38 @@
 </ct:contentTypeSchema>
 </file>
 
-<file path=customXml/item3.xml><?xml version="1.0" encoding="utf-8"?>
+<file path=customXml/item4.xml><?xml version="1.0" encoding="utf-8"?>
 <?mso-contentType ?>
-<FormTemplates xmlns="http://schemas.microsoft.com/sharepoint/v3/contenttype/forms">
-  <Display>DocumentLibraryForm</Display>
-  <Edit>DocumentLibraryForm</Edit>
-  <New>DocumentLibraryForm</New>
-</FormTemplates>
-</file>
-
-<file path=customXml/item4.xml><?xml version="1.0" encoding="utf-8"?>
-<p:properties xmlns:p="http://schemas.microsoft.com/office/2006/metadata/properties" xmlns:xsi="http://www.w3.org/2001/XMLSchema-instance" xmlns:pc="http://schemas.microsoft.com/office/infopath/2007/PartnerControls">
-  <documentManagement/>
-</p:properties>
+<SharedContentType xmlns="Microsoft.SharePoint.Taxonomy.ContentTypeSync" SourceId="cbc9373e-2d0f-4f82-b972-fcd84205de33" ContentTypeId="0x0101" PreviousValue="false"/>
 </file>
 
 <file path=customXml/itemProps1.xml><?xml version="1.0" encoding="utf-8"?>
-<ds:datastoreItem xmlns:ds="http://schemas.openxmlformats.org/officeDocument/2006/customXml" ds:itemID="{3C0F52E7-1E94-4F9C-B3B7-043138C1A41C}">
+<ds:datastoreItem xmlns:ds="http://schemas.openxmlformats.org/officeDocument/2006/customXml" ds:itemID="{41BA4A43-4DEB-41B1-8214-1B44DCEFF617}">
   <ds:schemaRefs>
-    <ds:schemaRef ds:uri="Microsoft.SharePoint.Taxonomy.ContentTypeSync"/>
+    <ds:schemaRef ds:uri="http://www.w3.org/XML/1998/namespace"/>
+    <ds:schemaRef ds:uri="http://purl.org/dc/dcmitype/"/>
+    <ds:schemaRef ds:uri="http://purl.org/dc/terms/"/>
+    <ds:schemaRef ds:uri="http://purl.org/dc/elements/1.1/"/>
+    <ds:schemaRef ds:uri="http://schemas.microsoft.com/sharepoint/v3"/>
+    <ds:schemaRef ds:uri="http://schemas.openxmlformats.org/package/2006/metadata/core-properties"/>
+    <ds:schemaRef ds:uri="http://schemas.microsoft.com/office/2006/documentManagement/types"/>
+    <ds:schemaRef ds:uri="http://schemas.microsoft.com/office/2006/metadata/properties"/>
+    <ds:schemaRef ds:uri="http://schemas.microsoft.com/office/infopath/2007/PartnerControls"/>
+    <ds:schemaRef ds:uri="8eee6e3a-f15c-45a4-a98e-64b2de71ed30"/>
+    <ds:schemaRef ds:uri="3a98b63c-e4b6-4949-b066-c7278696d2a3"/>
   </ds:schemaRefs>
 </ds:datastoreItem>
 </file>
 
 <file path=customXml/itemProps2.xml><?xml version="1.0" encoding="utf-8"?>
+<ds:datastoreItem xmlns:ds="http://schemas.openxmlformats.org/officeDocument/2006/customXml" ds:itemID="{6033C16D-F868-43FF-9A83-5B254BF351FB}">
+  <ds:schemaRefs>
+    <ds:schemaRef ds:uri="http://schemas.microsoft.com/sharepoint/v3/contenttype/forms"/>
+  </ds:schemaRefs>
+</ds:datastoreItem>
+</file>
+
+<file path=customXml/itemProps3.xml><?xml version="1.0" encoding="utf-8"?>
 <ds:datastoreItem xmlns:ds="http://schemas.openxmlformats.org/officeDocument/2006/customXml" ds:itemID="{FCCFC18D-095F-4ABC-9F96-30618017BC46}">
   <ds:schemaRefs>
     <ds:schemaRef ds:uri="http://schemas.microsoft.com/office/2006/metadata/contentType"/>
@@ -15386,28 +15392,10 @@
 </ds:datastoreItem>
 </file>
 
-<file path=customXml/itemProps3.xml><?xml version="1.0" encoding="utf-8"?>
-<ds:datastoreItem xmlns:ds="http://schemas.openxmlformats.org/officeDocument/2006/customXml" ds:itemID="{6033C16D-F868-43FF-9A83-5B254BF351FB}">
+<file path=customXml/itemProps4.xml><?xml version="1.0" encoding="utf-8"?>
+<ds:datastoreItem xmlns:ds="http://schemas.openxmlformats.org/officeDocument/2006/customXml" ds:itemID="{3C0F52E7-1E94-4F9C-B3B7-043138C1A41C}">
   <ds:schemaRefs>
-    <ds:schemaRef ds:uri="http://schemas.microsoft.com/sharepoint/v3/contenttype/forms"/>
-  </ds:schemaRefs>
-</ds:datastoreItem>
-</file>
-
-<file path=customXml/itemProps4.xml><?xml version="1.0" encoding="utf-8"?>
-<ds:datastoreItem xmlns:ds="http://schemas.openxmlformats.org/officeDocument/2006/customXml" ds:itemID="{41BA4A43-4DEB-41B1-8214-1B44DCEFF617}">
-  <ds:schemaRefs>
-    <ds:schemaRef ds:uri="http://www.w3.org/XML/1998/namespace"/>
-    <ds:schemaRef ds:uri="http://purl.org/dc/dcmitype/"/>
-    <ds:schemaRef ds:uri="http://purl.org/dc/terms/"/>
-    <ds:schemaRef ds:uri="http://purl.org/dc/elements/1.1/"/>
-    <ds:schemaRef ds:uri="http://schemas.microsoft.com/sharepoint/v3"/>
-    <ds:schemaRef ds:uri="http://schemas.openxmlformats.org/package/2006/metadata/core-properties"/>
-    <ds:schemaRef ds:uri="http://schemas.microsoft.com/office/2006/documentManagement/types"/>
-    <ds:schemaRef ds:uri="http://schemas.microsoft.com/office/2006/metadata/properties"/>
-    <ds:schemaRef ds:uri="http://schemas.microsoft.com/office/infopath/2007/PartnerControls"/>
-    <ds:schemaRef ds:uri="8eee6e3a-f15c-45a4-a98e-64b2de71ed30"/>
-    <ds:schemaRef ds:uri="3a98b63c-e4b6-4949-b066-c7278696d2a3"/>
+    <ds:schemaRef ds:uri="Microsoft.SharePoint.Taxonomy.ContentTypeSync"/>
   </ds:schemaRefs>
 </ds:datastoreItem>
 </file>